--- a/sessions/ChennaiAzureUserGroup/Databricks_IOT_Analytics/IOT-ML-Azure.pptx
+++ b/sessions/ChennaiAzureUserGroup/Databricks_IOT_Analytics/IOT-ML-Azure.pptx
@@ -5,7 +5,7 @@
     <p:sldMasterId id="2147483726" r:id="rId1"/>
   </p:sldMasterIdLst>
   <p:notesMasterIdLst>
-    <p:notesMasterId r:id="rId27"/>
+    <p:notesMasterId r:id="rId35"/>
   </p:notesMasterIdLst>
   <p:sldIdLst>
     <p:sldId id="2076136281" r:id="rId2"/>
@@ -15,24 +15,32 @@
     <p:sldId id="260" r:id="rId6"/>
     <p:sldId id="269" r:id="rId7"/>
     <p:sldId id="261" r:id="rId8"/>
-    <p:sldId id="262" r:id="rId9"/>
-    <p:sldId id="263" r:id="rId10"/>
-    <p:sldId id="266" r:id="rId11"/>
-    <p:sldId id="264" r:id="rId12"/>
-    <p:sldId id="265" r:id="rId13"/>
-    <p:sldId id="268" r:id="rId14"/>
-    <p:sldId id="267" r:id="rId15"/>
-    <p:sldId id="270" r:id="rId16"/>
-    <p:sldId id="272" r:id="rId17"/>
-    <p:sldId id="271" r:id="rId18"/>
-    <p:sldId id="2076136273" r:id="rId19"/>
-    <p:sldId id="2076136276" r:id="rId20"/>
-    <p:sldId id="2076136275" r:id="rId21"/>
-    <p:sldId id="2076136279" r:id="rId22"/>
-    <p:sldId id="312" r:id="rId23"/>
-    <p:sldId id="314" r:id="rId24"/>
-    <p:sldId id="273" r:id="rId25"/>
-    <p:sldId id="2076136280" r:id="rId26"/>
+    <p:sldId id="2076136284" r:id="rId9"/>
+    <p:sldId id="262" r:id="rId10"/>
+    <p:sldId id="263" r:id="rId11"/>
+    <p:sldId id="266" r:id="rId12"/>
+    <p:sldId id="264" r:id="rId13"/>
+    <p:sldId id="2076136286" r:id="rId14"/>
+    <p:sldId id="2076136287" r:id="rId15"/>
+    <p:sldId id="2076136288" r:id="rId16"/>
+    <p:sldId id="2076136289" r:id="rId17"/>
+    <p:sldId id="2076136291" r:id="rId18"/>
+    <p:sldId id="265" r:id="rId19"/>
+    <p:sldId id="268" r:id="rId20"/>
+    <p:sldId id="267" r:id="rId21"/>
+    <p:sldId id="270" r:id="rId22"/>
+    <p:sldId id="272" r:id="rId23"/>
+    <p:sldId id="271" r:id="rId24"/>
+    <p:sldId id="2076136282" r:id="rId25"/>
+    <p:sldId id="2076136273" r:id="rId26"/>
+    <p:sldId id="2076136292" r:id="rId27"/>
+    <p:sldId id="2076136275" r:id="rId28"/>
+    <p:sldId id="2076136279" r:id="rId29"/>
+    <p:sldId id="2076136283" r:id="rId30"/>
+    <p:sldId id="312" r:id="rId31"/>
+    <p:sldId id="314" r:id="rId32"/>
+    <p:sldId id="273" r:id="rId33"/>
+    <p:sldId id="2076136280" r:id="rId34"/>
   </p:sldIdLst>
   <p:sldSz cx="12192000" cy="6858000"/>
   <p:notesSz cx="6858000" cy="9144000"/>
@@ -143,20 +151,28 @@
             <p14:sldId id="260"/>
             <p14:sldId id="269"/>
             <p14:sldId id="261"/>
+            <p14:sldId id="2076136284"/>
             <p14:sldId id="262"/>
             <p14:sldId id="263"/>
             <p14:sldId id="266"/>
             <p14:sldId id="264"/>
+            <p14:sldId id="2076136286"/>
+            <p14:sldId id="2076136287"/>
+            <p14:sldId id="2076136288"/>
+            <p14:sldId id="2076136289"/>
+            <p14:sldId id="2076136291"/>
             <p14:sldId id="265"/>
             <p14:sldId id="268"/>
             <p14:sldId id="267"/>
             <p14:sldId id="270"/>
             <p14:sldId id="272"/>
             <p14:sldId id="271"/>
+            <p14:sldId id="2076136282"/>
             <p14:sldId id="2076136273"/>
-            <p14:sldId id="2076136276"/>
+            <p14:sldId id="2076136292"/>
             <p14:sldId id="2076136275"/>
             <p14:sldId id="2076136279"/>
+            <p14:sldId id="2076136283"/>
             <p14:sldId id="312"/>
             <p14:sldId id="314"/>
             <p14:sldId id="273"/>
@@ -1120,7 +1136,11 @@
             </a:lnSpc>
           </a:pPr>
           <a:r>
-            <a:rPr lang="en-US" sz="2400" dirty="0"/>
+            <a:rPr lang="en-US" sz="2400" dirty="0">
+              <a:solidFill>
+                <a:schemeClr val="tx2"/>
+              </a:solidFill>
+            </a:rPr>
             <a:t>Conservative in investments.</a:t>
           </a:r>
         </a:p>
@@ -1161,7 +1181,11 @@
             </a:lnSpc>
           </a:pPr>
           <a:r>
-            <a:rPr lang="en-US" sz="2400" dirty="0"/>
+            <a:rPr lang="en-US" sz="2400" dirty="0">
+              <a:solidFill>
+                <a:schemeClr val="tx2"/>
+              </a:solidFill>
+            </a:rPr>
             <a:t>Crawl before you walk.</a:t>
           </a:r>
         </a:p>
@@ -1172,7 +1196,11 @@
             </a:lnSpc>
           </a:pPr>
           <a:r>
-            <a:rPr lang="en-US" sz="2400" dirty="0"/>
+            <a:rPr lang="en-US" sz="2400" dirty="0">
+              <a:solidFill>
+                <a:schemeClr val="tx2"/>
+              </a:solidFill>
+            </a:rPr>
             <a:t>Walk before you run.</a:t>
           </a:r>
         </a:p>
@@ -1213,7 +1241,11 @@
             </a:lnSpc>
           </a:pPr>
           <a:r>
-            <a:rPr lang="en-US" sz="2400" dirty="0"/>
+            <a:rPr lang="en-US" sz="2400" dirty="0">
+              <a:solidFill>
+                <a:schemeClr val="tx2"/>
+              </a:solidFill>
+            </a:rPr>
             <a:t>Elasticity. </a:t>
           </a:r>
         </a:p>
@@ -1224,7 +1256,11 @@
             </a:lnSpc>
           </a:pPr>
           <a:r>
-            <a:rPr lang="en-US" sz="2400" dirty="0"/>
+            <a:rPr lang="en-US" sz="2400" dirty="0">
+              <a:solidFill>
+                <a:schemeClr val="tx2"/>
+              </a:solidFill>
+            </a:rPr>
             <a:t>Both for Storage and Compute.</a:t>
           </a:r>
         </a:p>
@@ -1602,7 +1638,11 @@
             <a:buNone/>
           </a:pPr>
           <a:r>
-            <a:rPr lang="en-US" sz="2400" kern="1200" dirty="0"/>
+            <a:rPr lang="en-US" sz="2400" kern="1200" dirty="0">
+              <a:solidFill>
+                <a:schemeClr val="tx2"/>
+              </a:solidFill>
+            </a:rPr>
             <a:t>Conservative in investments.</a:t>
           </a:r>
         </a:p>
@@ -1753,7 +1793,11 @@
             <a:buNone/>
           </a:pPr>
           <a:r>
-            <a:rPr lang="en-US" sz="2400" kern="1200" dirty="0"/>
+            <a:rPr lang="en-US" sz="2400" kern="1200" dirty="0">
+              <a:solidFill>
+                <a:schemeClr val="tx2"/>
+              </a:solidFill>
+            </a:rPr>
             <a:t>Crawl before you walk.</a:t>
           </a:r>
         </a:p>
@@ -1771,7 +1815,11 @@
             <a:buNone/>
           </a:pPr>
           <a:r>
-            <a:rPr lang="en-US" sz="2400" kern="1200" dirty="0"/>
+            <a:rPr lang="en-US" sz="2400" kern="1200" dirty="0">
+              <a:solidFill>
+                <a:schemeClr val="tx2"/>
+              </a:solidFill>
+            </a:rPr>
             <a:t>Walk before you run.</a:t>
           </a:r>
         </a:p>
@@ -1922,7 +1970,11 @@
             <a:buNone/>
           </a:pPr>
           <a:r>
-            <a:rPr lang="en-US" sz="2400" kern="1200" dirty="0"/>
+            <a:rPr lang="en-US" sz="2400" kern="1200" dirty="0">
+              <a:solidFill>
+                <a:schemeClr val="tx2"/>
+              </a:solidFill>
+            </a:rPr>
             <a:t>Elasticity. </a:t>
           </a:r>
         </a:p>
@@ -1940,7 +1992,11 @@
             <a:buNone/>
           </a:pPr>
           <a:r>
-            <a:rPr lang="en-US" sz="2400" kern="1200" dirty="0"/>
+            <a:rPr lang="en-US" sz="2400" kern="1200" dirty="0">
+              <a:solidFill>
+                <a:schemeClr val="tx2"/>
+              </a:solidFill>
+            </a:rPr>
             <a:t>Both for Storage and Compute.</a:t>
           </a:r>
         </a:p>
@@ -3364,7 +3420,7 @@
           <a:p>
             <a:fld id="{3F482FF2-1304-49FD-8324-59D150843A52}" type="datetimeFigureOut">
               <a:rPr lang="en-IN" smtClean="0"/>
-              <a:t>21-08-2021</a:t>
+              <a:t>26-08-2021</a:t>
             </a:fld>
             <a:endParaRPr lang="en-IN"/>
           </a:p>
@@ -3882,7 +3938,7 @@
           <a:p>
             <a:fld id="{56DEFD37-D9AE-463D-935A-4BEAF4FBE14B}" type="slidenum">
               <a:rPr lang="en-IN" smtClean="0"/>
-              <a:t>12</a:t>
+              <a:t>18</a:t>
             </a:fld>
             <a:endParaRPr lang="en-IN"/>
           </a:p>
@@ -3989,7 +4045,7 @@
           <a:p>
             <a:fld id="{56DEFD37-D9AE-463D-935A-4BEAF4FBE14B}" type="slidenum">
               <a:rPr lang="en-IN" smtClean="0"/>
-              <a:t>13</a:t>
+              <a:t>19</a:t>
             </a:fld>
             <a:endParaRPr lang="en-IN"/>
           </a:p>
@@ -4091,7 +4147,7 @@
           <a:p>
             <a:fld id="{56DEFD37-D9AE-463D-935A-4BEAF4FBE14B}" type="slidenum">
               <a:rPr lang="en-IN" smtClean="0"/>
-              <a:t>14</a:t>
+              <a:t>20</a:t>
             </a:fld>
             <a:endParaRPr lang="en-IN"/>
           </a:p>
@@ -4213,7 +4269,7 @@
           <a:p>
             <a:fld id="{56DEFD37-D9AE-463D-935A-4BEAF4FBE14B}" type="slidenum">
               <a:rPr lang="en-IN" smtClean="0"/>
-              <a:t>16</a:t>
+              <a:t>22</a:t>
             </a:fld>
             <a:endParaRPr lang="en-IN"/>
           </a:p>
@@ -4276,77 +4332,57 @@
           <a:bodyPr/>
           <a:lstStyle/>
           <a:p>
-            <a:pPr marL="171450" indent="-171450">
+            <a:pPr marL="0" indent="0">
               <a:buFont typeface="Arial" panose="020B0604020202020204" pitchFamily="34" charset="0"/>
-              <a:buChar char="•"/>
+              <a:buNone/>
             </a:pPr>
             <a:r>
               <a:rPr lang="en-GB" dirty="0"/>
-              <a:t>Providers like Azure.</a:t>
-            </a:r>
-          </a:p>
-          <a:p>
-            <a:pPr marL="171450" marR="0" lvl="0" indent="-171450" algn="l" defTabSz="914400" rtl="0" eaLnBrk="1" fontAlgn="auto" latinLnBrk="0" hangingPunct="1">
-              <a:lnSpc>
-                <a:spcPct val="100000"/>
-              </a:lnSpc>
-              <a:spcBef>
-                <a:spcPts val="0"/>
-              </a:spcBef>
-              <a:spcAft>
-                <a:spcPts val="0"/>
-              </a:spcAft>
-              <a:buClrTx/>
-              <a:buSzTx/>
+              <a:t>To get business value from those data - combination of tools needed - Data Lake, Stream processing frameworks, analytics tools like </a:t>
+            </a:r>
+            <a:r>
+              <a:rPr lang="en-GB" dirty="0" err="1"/>
+              <a:t>databricks</a:t>
+            </a:r>
+            <a:r>
+              <a:rPr lang="en-GB" dirty="0"/>
+              <a:t>.</a:t>
+            </a:r>
+          </a:p>
+          <a:p>
+            <a:pPr marL="0" indent="0">
               <a:buFont typeface="Arial" panose="020B0604020202020204" pitchFamily="34" charset="0"/>
-              <a:buChar char="•"/>
-              <a:tabLst/>
-              <a:defRPr/>
+              <a:buNone/>
             </a:pPr>
             <a:r>
-              <a:rPr lang="en-IN" dirty="0"/>
-              <a:t>Ingest - Azure IOT / Event Hub / Kafka / Azure Data Factory</a:t>
-            </a:r>
-          </a:p>
-          <a:p>
-            <a:pPr marL="171450" indent="-171450">
+              <a:rPr lang="en-GB" b="0" i="0" dirty="0">
+                <a:solidFill>
+                  <a:srgbClr val="676767"/>
+                </a:solidFill>
+                <a:effectLst/>
+                <a:latin typeface="LatoWeb"/>
+              </a:rPr>
+              <a:t>Microsoft’s Azure Stream Analytics can be easily integrated with Azure IoT hub and Azure IoT suite to perform real time analytics on the IoT sensor data.</a:t>
+            </a:r>
+            <a:endParaRPr lang="en-GB" dirty="0"/>
+          </a:p>
+          <a:p>
+            <a:pPr marL="0" indent="0">
               <a:buFont typeface="Arial" panose="020B0604020202020204" pitchFamily="34" charset="0"/>
-              <a:buChar char="•"/>
+              <a:buNone/>
             </a:pPr>
-            <a:r>
-              <a:rPr lang="en-IN" dirty="0"/>
-              <a:t>Store – Data lake.</a:t>
-            </a:r>
-          </a:p>
-          <a:p>
-            <a:pPr marL="171450" indent="-171450">
+            <a:endParaRPr lang="en-GB" dirty="0"/>
+          </a:p>
+          <a:p>
+            <a:pPr marL="0" indent="0">
               <a:buFont typeface="Arial" panose="020B0604020202020204" pitchFamily="34" charset="0"/>
-              <a:buChar char="•"/>
+              <a:buNone/>
             </a:pPr>
             <a:r>
-              <a:rPr lang="en-IN" dirty="0"/>
-              <a:t>Prep or stream processing – Azure Databricks / Stream Analytics.</a:t>
-            </a:r>
-          </a:p>
-          <a:p>
-            <a:pPr marL="171450" indent="-171450">
-              <a:buFont typeface="Arial" panose="020B0604020202020204" pitchFamily="34" charset="0"/>
-              <a:buChar char="•"/>
-            </a:pPr>
-            <a:r>
-              <a:rPr lang="en-IN" dirty="0"/>
-              <a:t>Serve – Synapse Analytics</a:t>
-            </a:r>
-          </a:p>
-          <a:p>
-            <a:pPr marL="171450" indent="-171450">
-              <a:buFont typeface="Arial" panose="020B0604020202020204" pitchFamily="34" charset="0"/>
-              <a:buChar char="•"/>
-            </a:pPr>
-            <a:r>
-              <a:rPr lang="en-IN" dirty="0"/>
-              <a:t>Visualize – Power BI</a:t>
-            </a:r>
+              <a:rPr lang="en-GB" dirty="0"/>
+              <a:t>To communicate the Value i.e. insights – it need to be presented by defining it as visualizations like patterns, trends, histograms.</a:t>
+            </a:r>
+            <a:endParaRPr lang="en-IN" dirty="0"/>
           </a:p>
         </p:txBody>
       </p:sp>
@@ -4367,7 +4403,7 @@
           <a:p>
             <a:fld id="{56DEFD37-D9AE-463D-935A-4BEAF4FBE14B}" type="slidenum">
               <a:rPr lang="en-IN" smtClean="0"/>
-              <a:t>17</a:t>
+              <a:t>23</a:t>
             </a:fld>
             <a:endParaRPr lang="en-IN"/>
           </a:p>
@@ -4451,7 +4487,7 @@
           <a:p>
             <a:fld id="{2C1C9A33-77BE-4742-8110-DE610CEEB0A5}" type="slidenum">
               <a:rPr lang="en-IN" smtClean="0"/>
-              <a:t>23</a:t>
+              <a:t>31</a:t>
             </a:fld>
             <a:endParaRPr lang="en-IN"/>
           </a:p>
@@ -4596,7 +4632,7 @@
           <a:p>
             <a:fld id="{56DEFD37-D9AE-463D-935A-4BEAF4FBE14B}" type="slidenum">
               <a:rPr lang="en-IN" smtClean="0"/>
-              <a:t>24</a:t>
+              <a:t>32</a:t>
             </a:fld>
             <a:endParaRPr lang="en-IN"/>
           </a:p>
@@ -4839,7 +4875,7 @@
           <a:p>
             <a:fld id="{0BA7BCC7-74F0-4B56-8AE1-A5631D2182DA}" type="datetimeFigureOut">
               <a:rPr lang="en-IN" smtClean="0"/>
-              <a:t>21-08-2021</a:t>
+              <a:t>26-08-2021</a:t>
             </a:fld>
             <a:endParaRPr lang="en-IN"/>
           </a:p>
@@ -5009,7 +5045,7 @@
           <a:p>
             <a:fld id="{0BA7BCC7-74F0-4B56-8AE1-A5631D2182DA}" type="datetimeFigureOut">
               <a:rPr lang="en-IN" smtClean="0"/>
-              <a:t>21-08-2021</a:t>
+              <a:t>26-08-2021</a:t>
             </a:fld>
             <a:endParaRPr lang="en-IN"/>
           </a:p>
@@ -5189,7 +5225,7 @@
           <a:p>
             <a:fld id="{0BA7BCC7-74F0-4B56-8AE1-A5631D2182DA}" type="datetimeFigureOut">
               <a:rPr lang="en-IN" smtClean="0"/>
-              <a:t>21-08-2021</a:t>
+              <a:t>26-08-2021</a:t>
             </a:fld>
             <a:endParaRPr lang="en-IN"/>
           </a:p>
@@ -5359,7 +5395,7 @@
           <a:p>
             <a:fld id="{0BA7BCC7-74F0-4B56-8AE1-A5631D2182DA}" type="datetimeFigureOut">
               <a:rPr lang="en-IN" smtClean="0"/>
-              <a:t>21-08-2021</a:t>
+              <a:t>26-08-2021</a:t>
             </a:fld>
             <a:endParaRPr lang="en-IN"/>
           </a:p>
@@ -5617,7 +5653,7 @@
           <a:p>
             <a:fld id="{0BA7BCC7-74F0-4B56-8AE1-A5631D2182DA}" type="datetimeFigureOut">
               <a:rPr lang="en-IN" smtClean="0"/>
-              <a:t>21-08-2021</a:t>
+              <a:t>26-08-2021</a:t>
             </a:fld>
             <a:endParaRPr lang="en-IN"/>
           </a:p>
@@ -5905,7 +5941,7 @@
           <a:p>
             <a:fld id="{0BA7BCC7-74F0-4B56-8AE1-A5631D2182DA}" type="datetimeFigureOut">
               <a:rPr lang="en-IN" smtClean="0"/>
-              <a:t>21-08-2021</a:t>
+              <a:t>26-08-2021</a:t>
             </a:fld>
             <a:endParaRPr lang="en-IN"/>
           </a:p>
@@ -6347,7 +6383,7 @@
           <a:p>
             <a:fld id="{0BA7BCC7-74F0-4B56-8AE1-A5631D2182DA}" type="datetimeFigureOut">
               <a:rPr lang="en-IN" smtClean="0"/>
-              <a:t>21-08-2021</a:t>
+              <a:t>26-08-2021</a:t>
             </a:fld>
             <a:endParaRPr lang="en-IN"/>
           </a:p>
@@ -6465,7 +6501,7 @@
           <a:p>
             <a:fld id="{0BA7BCC7-74F0-4B56-8AE1-A5631D2182DA}" type="datetimeFigureOut">
               <a:rPr lang="en-IN" smtClean="0"/>
-              <a:t>21-08-2021</a:t>
+              <a:t>26-08-2021</a:t>
             </a:fld>
             <a:endParaRPr lang="en-IN"/>
           </a:p>
@@ -6560,7 +6596,7 @@
           <a:p>
             <a:fld id="{0BA7BCC7-74F0-4B56-8AE1-A5631D2182DA}" type="datetimeFigureOut">
               <a:rPr lang="en-IN" smtClean="0"/>
-              <a:t>21-08-2021</a:t>
+              <a:t>26-08-2021</a:t>
             </a:fld>
             <a:endParaRPr lang="en-IN"/>
           </a:p>
@@ -6848,7 +6884,7 @@
           <a:p>
             <a:fld id="{0BA7BCC7-74F0-4B56-8AE1-A5631D2182DA}" type="datetimeFigureOut">
               <a:rPr lang="en-IN" smtClean="0"/>
-              <a:t>21-08-2021</a:t>
+              <a:t>26-08-2021</a:t>
             </a:fld>
             <a:endParaRPr lang="en-IN"/>
           </a:p>
@@ -7121,7 +7157,7 @@
           <a:p>
             <a:fld id="{0BA7BCC7-74F0-4B56-8AE1-A5631D2182DA}" type="datetimeFigureOut">
               <a:rPr lang="en-IN" smtClean="0"/>
-              <a:t>21-08-2021</a:t>
+              <a:t>26-08-2021</a:t>
             </a:fld>
             <a:endParaRPr lang="en-IN"/>
           </a:p>
@@ -7418,7 +7454,7 @@
           <a:p>
             <a:fld id="{0BA7BCC7-74F0-4B56-8AE1-A5631D2182DA}" type="datetimeFigureOut">
               <a:rPr lang="en-IN" smtClean="0"/>
-              <a:t>21-08-2021</a:t>
+              <a:t>26-08-2021</a:t>
             </a:fld>
             <a:endParaRPr lang="en-IN"/>
           </a:p>
@@ -7925,7 +7961,7 @@
           <a:p>
             <a:r>
               <a:rPr lang="en-GB" sz="5400" dirty="0"/>
-              <a:t>IIOT Analytics using Azure Data &amp; ML services</a:t>
+              <a:t>IOT Analytics using Azure Infra &amp; analytics services</a:t>
             </a:r>
             <a:endParaRPr lang="en-IN" sz="5400" dirty="0"/>
           </a:p>
@@ -7981,7 +8017,7 @@
         </p:nvSpPr>
         <p:spPr>
           <a:xfrm>
-            <a:off x="7061512" y="5559552"/>
+            <a:off x="9718487" y="4807198"/>
             <a:ext cx="2016898" cy="461665"/>
           </a:xfrm>
           <a:prstGeom prst="rect">
@@ -8030,6 +8066,83 @@
           </a:p>
         </p:txBody>
       </p:sp>
+      <p:pic>
+        <p:nvPicPr>
+          <p:cNvPr id="8" name="Picture 7">
+            <a:extLst>
+              <a:ext uri="{FF2B5EF4-FFF2-40B4-BE49-F238E27FC236}">
+                <a16:creationId xmlns:a16="http://schemas.microsoft.com/office/drawing/2014/main" id="{36BD603F-4595-47BA-B50E-F8B546B6848E}"/>
+              </a:ext>
+            </a:extLst>
+          </p:cNvPr>
+          <p:cNvPicPr>
+            <a:picLocks noChangeAspect="1"/>
+          </p:cNvPicPr>
+          <p:nvPr/>
+        </p:nvPicPr>
+        <p:blipFill>
+          <a:blip r:embed="rId2"/>
+          <a:stretch>
+            <a:fillRect/>
+          </a:stretch>
+        </p:blipFill>
+        <p:spPr>
+          <a:xfrm>
+            <a:off x="9468091" y="2185587"/>
+            <a:ext cx="2517690" cy="2486824"/>
+          </a:xfrm>
+          <a:prstGeom prst="rect">
+            <a:avLst/>
+          </a:prstGeom>
+        </p:spPr>
+      </p:pic>
+      <p:pic>
+        <p:nvPicPr>
+          <p:cNvPr id="1030" name="Picture 6" descr="Chennai Azure User Group">
+            <a:extLst>
+              <a:ext uri="{FF2B5EF4-FFF2-40B4-BE49-F238E27FC236}">
+                <a16:creationId xmlns:a16="http://schemas.microsoft.com/office/drawing/2014/main" id="{F7B8408B-3A89-4A30-92B1-51CC497685C3}"/>
+              </a:ext>
+            </a:extLst>
+          </p:cNvPr>
+          <p:cNvPicPr>
+            <a:picLocks noChangeAspect="1" noChangeArrowheads="1"/>
+          </p:cNvPicPr>
+          <p:nvPr/>
+        </p:nvPicPr>
+        <p:blipFill>
+          <a:blip r:embed="rId3">
+            <a:extLst>
+              <a:ext uri="{28A0092B-C50C-407E-A947-70E740481C1C}">
+                <a14:useLocalDpi xmlns:a14="http://schemas.microsoft.com/office/drawing/2010/main" val="0"/>
+              </a:ext>
+            </a:extLst>
+          </a:blip>
+          <a:srcRect/>
+          <a:stretch>
+            <a:fillRect/>
+          </a:stretch>
+        </p:blipFill>
+        <p:spPr bwMode="auto">
+          <a:xfrm>
+            <a:off x="0" y="740202"/>
+            <a:ext cx="1724025" cy="1724025"/>
+          </a:xfrm>
+          <a:prstGeom prst="rect">
+            <a:avLst/>
+          </a:prstGeom>
+          <a:noFill/>
+          <a:extLst>
+            <a:ext uri="{909E8E84-426E-40DD-AFC4-6F175D3DCCD1}">
+              <a14:hiddenFill xmlns:a14="http://schemas.microsoft.com/office/drawing/2010/main">
+                <a:solidFill>
+                  <a:srgbClr val="FFFFFF"/>
+                </a:solidFill>
+              </a14:hiddenFill>
+            </a:ext>
+          </a:extLst>
+        </p:spPr>
+      </p:pic>
     </p:spTree>
     <p:extLst>
       <p:ext uri="{BB962C8B-B14F-4D97-AF65-F5344CB8AC3E}">
@@ -8044,6 +8157,178 @@
 </file>
 
 <file path=ppt/slides/slide10.xml><?xml version="1.0" encoding="utf-8"?>
+<p:sld xmlns:a="http://schemas.openxmlformats.org/drawingml/2006/main" xmlns:r="http://schemas.openxmlformats.org/officeDocument/2006/relationships" xmlns:p="http://schemas.openxmlformats.org/presentationml/2006/main">
+  <p:cSld>
+    <p:spTree>
+      <p:nvGrpSpPr>
+        <p:cNvPr id="1" name=""/>
+        <p:cNvGrpSpPr/>
+        <p:nvPr/>
+      </p:nvGrpSpPr>
+      <p:grpSpPr>
+        <a:xfrm>
+          <a:off x="0" y="0"/>
+          <a:ext cx="0" cy="0"/>
+          <a:chOff x="0" y="0"/>
+          <a:chExt cx="0" cy="0"/>
+        </a:xfrm>
+      </p:grpSpPr>
+      <p:sp>
+        <p:nvSpPr>
+          <p:cNvPr id="2" name="Title 1">
+            <a:extLst>
+              <a:ext uri="{FF2B5EF4-FFF2-40B4-BE49-F238E27FC236}">
+                <a16:creationId xmlns:a16="http://schemas.microsoft.com/office/drawing/2014/main" id="{D65303CD-46D7-496E-9691-ACEA21F9893B}"/>
+              </a:ext>
+            </a:extLst>
+          </p:cNvPr>
+          <p:cNvSpPr>
+            <a:spLocks noGrp="1"/>
+          </p:cNvSpPr>
+          <p:nvPr>
+            <p:ph type="title"/>
+          </p:nvPr>
+        </p:nvSpPr>
+        <p:spPr/>
+        <p:txBody>
+          <a:bodyPr/>
+          <a:lstStyle/>
+          <a:p>
+            <a:r>
+              <a:rPr lang="en-GB" dirty="0"/>
+              <a:t>Analytics</a:t>
+            </a:r>
+            <a:endParaRPr lang="en-IN" dirty="0"/>
+          </a:p>
+        </p:txBody>
+      </p:sp>
+      <p:sp>
+        <p:nvSpPr>
+          <p:cNvPr id="3" name="Content Placeholder 2">
+            <a:extLst>
+              <a:ext uri="{FF2B5EF4-FFF2-40B4-BE49-F238E27FC236}">
+                <a16:creationId xmlns:a16="http://schemas.microsoft.com/office/drawing/2014/main" id="{98801F0C-1EA7-486D-A3B0-7E31EC3E252F}"/>
+              </a:ext>
+            </a:extLst>
+          </p:cNvPr>
+          <p:cNvSpPr>
+            <a:spLocks noGrp="1"/>
+          </p:cNvSpPr>
+          <p:nvPr>
+            <p:ph idx="1"/>
+          </p:nvPr>
+        </p:nvSpPr>
+        <p:spPr/>
+        <p:txBody>
+          <a:bodyPr/>
+          <a:lstStyle/>
+          <a:p>
+            <a:r>
+              <a:rPr lang="en-GB" dirty="0"/>
+              <a:t>Analyse collected data.</a:t>
+            </a:r>
+          </a:p>
+          <a:p>
+            <a:r>
+              <a:rPr lang="en-GB" dirty="0"/>
+              <a:t>Allow to find answers for business questions.</a:t>
+            </a:r>
+          </a:p>
+          <a:p>
+            <a:endParaRPr lang="en-GB" dirty="0"/>
+          </a:p>
+          <a:p>
+            <a:endParaRPr lang="en-GB" dirty="0"/>
+          </a:p>
+          <a:p>
+            <a:endParaRPr lang="en-GB" dirty="0"/>
+          </a:p>
+          <a:p>
+            <a:endParaRPr lang="en-GB" dirty="0"/>
+          </a:p>
+          <a:p>
+            <a:endParaRPr lang="en-GB" dirty="0"/>
+          </a:p>
+          <a:p>
+            <a:endParaRPr lang="en-GB" dirty="0"/>
+          </a:p>
+          <a:p>
+            <a:endParaRPr lang="en-GB" dirty="0"/>
+          </a:p>
+          <a:p>
+            <a:endParaRPr lang="en-GB" dirty="0"/>
+          </a:p>
+          <a:p>
+            <a:endParaRPr lang="en-IN" dirty="0"/>
+          </a:p>
+        </p:txBody>
+      </p:sp>
+      <p:pic>
+        <p:nvPicPr>
+          <p:cNvPr id="2050" name="Picture 2" descr="Upstream - E&amp;amp;P - Visual BI Solutions">
+            <a:extLst>
+              <a:ext uri="{FF2B5EF4-FFF2-40B4-BE49-F238E27FC236}">
+                <a16:creationId xmlns:a16="http://schemas.microsoft.com/office/drawing/2014/main" id="{3CF77B42-2EA3-4DB3-8B15-AD2E0205AFB3}"/>
+              </a:ext>
+            </a:extLst>
+          </p:cNvPr>
+          <p:cNvPicPr>
+            <a:picLocks noChangeAspect="1" noChangeArrowheads="1"/>
+          </p:cNvPicPr>
+          <p:nvPr/>
+        </p:nvPicPr>
+        <p:blipFill>
+          <a:blip r:embed="rId2">
+            <a:extLst>
+              <a:ext uri="{28A0092B-C50C-407E-A947-70E740481C1C}">
+                <a14:useLocalDpi xmlns:a14="http://schemas.microsoft.com/office/drawing/2010/main" val="0"/>
+              </a:ext>
+            </a:extLst>
+          </a:blip>
+          <a:srcRect/>
+          <a:stretch>
+            <a:fillRect/>
+          </a:stretch>
+        </p:blipFill>
+        <p:spPr bwMode="auto">
+          <a:xfrm>
+            <a:off x="3997605" y="2363165"/>
+            <a:ext cx="7186863" cy="4267200"/>
+          </a:xfrm>
+          <a:prstGeom prst="rect">
+            <a:avLst/>
+          </a:prstGeom>
+          <a:noFill/>
+          <a:ln>
+            <a:solidFill>
+              <a:schemeClr val="accent1"/>
+            </a:solidFill>
+          </a:ln>
+          <a:extLst>
+            <a:ext uri="{909E8E84-426E-40DD-AFC4-6F175D3DCCD1}">
+              <a14:hiddenFill xmlns:a14="http://schemas.microsoft.com/office/drawing/2010/main">
+                <a:solidFill>
+                  <a:srgbClr val="FFFFFF"/>
+                </a:solidFill>
+              </a14:hiddenFill>
+            </a:ext>
+          </a:extLst>
+        </p:spPr>
+      </p:pic>
+    </p:spTree>
+    <p:extLst>
+      <p:ext uri="{BB962C8B-B14F-4D97-AF65-F5344CB8AC3E}">
+        <p14:creationId xmlns:p14="http://schemas.microsoft.com/office/powerpoint/2010/main" val="3312802510"/>
+      </p:ext>
+    </p:extLst>
+  </p:cSld>
+  <p:clrMapOvr>
+    <a:masterClrMapping/>
+  </p:clrMapOvr>
+</p:sld>
+</file>
+
+<file path=ppt/slides/slide11.xml><?xml version="1.0" encoding="utf-8"?>
 <p:sld xmlns:a="http://schemas.openxmlformats.org/drawingml/2006/main" xmlns:r="http://schemas.openxmlformats.org/officeDocument/2006/relationships" xmlns:p="http://schemas.openxmlformats.org/presentationml/2006/main">
   <p:cSld>
     <p:spTree>
@@ -8156,7 +8441,7 @@
 </p:sld>
 </file>
 
-<file path=ppt/slides/slide11.xml><?xml version="1.0" encoding="utf-8"?>
+<file path=ppt/slides/slide12.xml><?xml version="1.0" encoding="utf-8"?>
 <p:sld xmlns:a="http://schemas.openxmlformats.org/drawingml/2006/main" xmlns:r="http://schemas.openxmlformats.org/officeDocument/2006/relationships" xmlns:p="http://schemas.openxmlformats.org/presentationml/2006/main">
   <p:cSld>
     <p:spTree>
@@ -8243,46 +8528,6 @@
             <a:normAutofit/>
           </a:bodyPr>
           <a:lstStyle/>
-          <a:p>
-            <a:r>
-              <a:rPr lang="en-GB" sz="1600" b="1" dirty="0"/>
-              <a:t>Descriptive</a:t>
-            </a:r>
-            <a:r>
-              <a:rPr lang="en-GB" sz="1600" dirty="0"/>
-              <a:t> – What quantity of power generated in last month?</a:t>
-            </a:r>
-          </a:p>
-          <a:p>
-            <a:r>
-              <a:rPr lang="en-GB" sz="1600" b="1" dirty="0"/>
-              <a:t>Diagnostic</a:t>
-            </a:r>
-            <a:r>
-              <a:rPr lang="en-GB" sz="1600" dirty="0"/>
-              <a:t> – Why 10% decrease in power generation compared to last month?</a:t>
-            </a:r>
-          </a:p>
-          <a:p>
-            <a:r>
-              <a:rPr lang="en-GB" sz="1600" b="1" dirty="0"/>
-              <a:t>Predictive</a:t>
-            </a:r>
-            <a:r>
-              <a:rPr lang="en-GB" sz="1600" dirty="0"/>
-              <a:t> – What is the quantity of power that would get generated in next month?</a:t>
-            </a:r>
-          </a:p>
-          <a:p>
-            <a:r>
-              <a:rPr lang="en-GB" sz="1600" b="1" dirty="0"/>
-              <a:t>Prescriptive</a:t>
-            </a:r>
-            <a:r>
-              <a:rPr lang="en-GB" sz="1600" dirty="0"/>
-              <a:t> – How to avoid decrease in power generation in upcoming months by minimizing downtime and undergo maintenance on-time?</a:t>
-            </a:r>
-          </a:p>
           <a:p>
             <a:endParaRPr lang="en-IN" sz="1600" dirty="0"/>
           </a:p>
@@ -8329,7 +8574,7 @@
         </p:blipFill>
         <p:spPr bwMode="auto">
           <a:xfrm>
-            <a:off x="4515029" y="2838450"/>
+            <a:off x="4723374" y="1414653"/>
             <a:ext cx="5857875" cy="4019550"/>
           </a:xfrm>
           <a:prstGeom prst="rect">
@@ -8365,7 +8610,649 @@
 </p:sld>
 </file>
 
-<file path=ppt/slides/slide12.xml><?xml version="1.0" encoding="utf-8"?>
+<file path=ppt/slides/slide13.xml><?xml version="1.0" encoding="utf-8"?>
+<p:sld xmlns:a="http://schemas.openxmlformats.org/drawingml/2006/main" xmlns:r="http://schemas.openxmlformats.org/officeDocument/2006/relationships" xmlns:p="http://schemas.openxmlformats.org/presentationml/2006/main">
+  <p:cSld>
+    <p:spTree>
+      <p:nvGrpSpPr>
+        <p:cNvPr id="1" name=""/>
+        <p:cNvGrpSpPr/>
+        <p:nvPr/>
+      </p:nvGrpSpPr>
+      <p:grpSpPr>
+        <a:xfrm>
+          <a:off x="0" y="0"/>
+          <a:ext cx="0" cy="0"/>
+          <a:chOff x="0" y="0"/>
+          <a:chExt cx="0" cy="0"/>
+        </a:xfrm>
+      </p:grpSpPr>
+      <p:sp>
+        <p:nvSpPr>
+          <p:cNvPr id="2" name="Title 1">
+            <a:extLst>
+              <a:ext uri="{FF2B5EF4-FFF2-40B4-BE49-F238E27FC236}">
+                <a16:creationId xmlns:a16="http://schemas.microsoft.com/office/drawing/2014/main" id="{387C5D24-CED8-4E7E-AA64-27138CE210A3}"/>
+              </a:ext>
+            </a:extLst>
+          </p:cNvPr>
+          <p:cNvSpPr>
+            <a:spLocks noGrp="1"/>
+          </p:cNvSpPr>
+          <p:nvPr>
+            <p:ph type="title"/>
+          </p:nvPr>
+        </p:nvSpPr>
+        <p:spPr/>
+        <p:txBody>
+          <a:bodyPr/>
+          <a:lstStyle/>
+          <a:p>
+            <a:r>
+              <a:rPr lang="en-GB" dirty="0"/>
+              <a:t>Descriptive analytics</a:t>
+            </a:r>
+            <a:endParaRPr lang="en-IN" dirty="0"/>
+          </a:p>
+        </p:txBody>
+      </p:sp>
+      <p:sp>
+        <p:nvSpPr>
+          <p:cNvPr id="3" name="Content Placeholder 2">
+            <a:extLst>
+              <a:ext uri="{FF2B5EF4-FFF2-40B4-BE49-F238E27FC236}">
+                <a16:creationId xmlns:a16="http://schemas.microsoft.com/office/drawing/2014/main" id="{AC8BA8CA-3FFA-42FD-8795-D036228E7A3E}"/>
+              </a:ext>
+            </a:extLst>
+          </p:cNvPr>
+          <p:cNvSpPr>
+            <a:spLocks noGrp="1"/>
+          </p:cNvSpPr>
+          <p:nvPr>
+            <p:ph idx="1"/>
+          </p:nvPr>
+        </p:nvSpPr>
+        <p:spPr/>
+        <p:txBody>
+          <a:bodyPr/>
+          <a:lstStyle/>
+          <a:p>
+            <a:r>
+              <a:rPr lang="en-GB" dirty="0">
+                <a:solidFill>
+                  <a:srgbClr val="00B0F0"/>
+                </a:solidFill>
+              </a:rPr>
+              <a:t>What's happening?</a:t>
+            </a:r>
+          </a:p>
+          <a:p>
+            <a:r>
+              <a:rPr lang="en-GB" dirty="0"/>
+              <a:t>Monitor if things are going as planned.</a:t>
+            </a:r>
+          </a:p>
+          <a:p>
+            <a:r>
+              <a:rPr lang="en-GB" dirty="0"/>
+              <a:t>If any anomalies in data raise alert.</a:t>
+            </a:r>
+          </a:p>
+          <a:p>
+            <a:r>
+              <a:rPr lang="en-GB" dirty="0">
+                <a:solidFill>
+                  <a:srgbClr val="00B0F0"/>
+                </a:solidFill>
+              </a:rPr>
+              <a:t>E.g.</a:t>
+            </a:r>
+            <a:r>
+              <a:rPr lang="en-GB" dirty="0"/>
+              <a:t> How much energy is this machine using?</a:t>
+            </a:r>
+            <a:endParaRPr lang="en-IN" dirty="0"/>
+          </a:p>
+        </p:txBody>
+      </p:sp>
+    </p:spTree>
+    <p:extLst>
+      <p:ext uri="{BB962C8B-B14F-4D97-AF65-F5344CB8AC3E}">
+        <p14:creationId xmlns:p14="http://schemas.microsoft.com/office/powerpoint/2010/main" val="1985516780"/>
+      </p:ext>
+    </p:extLst>
+  </p:cSld>
+  <p:clrMapOvr>
+    <a:masterClrMapping/>
+  </p:clrMapOvr>
+</p:sld>
+</file>
+
+<file path=ppt/slides/slide14.xml><?xml version="1.0" encoding="utf-8"?>
+<p:sld xmlns:a="http://schemas.openxmlformats.org/drawingml/2006/main" xmlns:r="http://schemas.openxmlformats.org/officeDocument/2006/relationships" xmlns:p="http://schemas.openxmlformats.org/presentationml/2006/main">
+  <p:cSld>
+    <p:spTree>
+      <p:nvGrpSpPr>
+        <p:cNvPr id="1" name=""/>
+        <p:cNvGrpSpPr/>
+        <p:nvPr/>
+      </p:nvGrpSpPr>
+      <p:grpSpPr>
+        <a:xfrm>
+          <a:off x="0" y="0"/>
+          <a:ext cx="0" cy="0"/>
+          <a:chOff x="0" y="0"/>
+          <a:chExt cx="0" cy="0"/>
+        </a:xfrm>
+      </p:grpSpPr>
+      <p:sp>
+        <p:nvSpPr>
+          <p:cNvPr id="2" name="Title 1">
+            <a:extLst>
+              <a:ext uri="{FF2B5EF4-FFF2-40B4-BE49-F238E27FC236}">
+                <a16:creationId xmlns:a16="http://schemas.microsoft.com/office/drawing/2014/main" id="{387C5D24-CED8-4E7E-AA64-27138CE210A3}"/>
+              </a:ext>
+            </a:extLst>
+          </p:cNvPr>
+          <p:cNvSpPr>
+            <a:spLocks noGrp="1"/>
+          </p:cNvSpPr>
+          <p:nvPr>
+            <p:ph type="title"/>
+          </p:nvPr>
+        </p:nvSpPr>
+        <p:spPr/>
+        <p:txBody>
+          <a:bodyPr/>
+          <a:lstStyle/>
+          <a:p>
+            <a:r>
+              <a:rPr lang="en-GB" dirty="0"/>
+              <a:t>Diagnostic analytics</a:t>
+            </a:r>
+            <a:endParaRPr lang="en-IN" dirty="0"/>
+          </a:p>
+        </p:txBody>
+      </p:sp>
+      <p:sp>
+        <p:nvSpPr>
+          <p:cNvPr id="3" name="Content Placeholder 2">
+            <a:extLst>
+              <a:ext uri="{FF2B5EF4-FFF2-40B4-BE49-F238E27FC236}">
+                <a16:creationId xmlns:a16="http://schemas.microsoft.com/office/drawing/2014/main" id="{AC8BA8CA-3FFA-42FD-8795-D036228E7A3E}"/>
+              </a:ext>
+            </a:extLst>
+          </p:cNvPr>
+          <p:cNvSpPr>
+            <a:spLocks noGrp="1"/>
+          </p:cNvSpPr>
+          <p:nvPr>
+            <p:ph idx="1"/>
+          </p:nvPr>
+        </p:nvSpPr>
+        <p:spPr/>
+        <p:txBody>
+          <a:bodyPr/>
+          <a:lstStyle/>
+          <a:p>
+            <a:r>
+              <a:rPr lang="en-GB" dirty="0">
+                <a:solidFill>
+                  <a:srgbClr val="00B0F0"/>
+                </a:solidFill>
+              </a:rPr>
+              <a:t>Why is something happening?</a:t>
+            </a:r>
+          </a:p>
+          <a:p>
+            <a:r>
+              <a:rPr lang="en-GB" dirty="0"/>
+              <a:t>Domain experts do diagnostics on data by drilling into data and improve a process / identify core problem.</a:t>
+            </a:r>
+          </a:p>
+          <a:p>
+            <a:r>
+              <a:rPr lang="en-GB" dirty="0">
+                <a:solidFill>
+                  <a:srgbClr val="00B0F0"/>
+                </a:solidFill>
+              </a:rPr>
+              <a:t>E.g. </a:t>
+            </a:r>
+            <a:r>
+              <a:rPr lang="en-GB" dirty="0"/>
+              <a:t>Why is this machine consuming excessive energy?</a:t>
+            </a:r>
+            <a:endParaRPr lang="en-IN" dirty="0"/>
+          </a:p>
+        </p:txBody>
+      </p:sp>
+    </p:spTree>
+    <p:extLst>
+      <p:ext uri="{BB962C8B-B14F-4D97-AF65-F5344CB8AC3E}">
+        <p14:creationId xmlns:p14="http://schemas.microsoft.com/office/powerpoint/2010/main" val="4151398362"/>
+      </p:ext>
+    </p:extLst>
+  </p:cSld>
+  <p:clrMapOvr>
+    <a:masterClrMapping/>
+  </p:clrMapOvr>
+</p:sld>
+</file>
+
+<file path=ppt/slides/slide15.xml><?xml version="1.0" encoding="utf-8"?>
+<p:sld xmlns:a="http://schemas.openxmlformats.org/drawingml/2006/main" xmlns:r="http://schemas.openxmlformats.org/officeDocument/2006/relationships" xmlns:p="http://schemas.openxmlformats.org/presentationml/2006/main">
+  <p:cSld>
+    <p:spTree>
+      <p:nvGrpSpPr>
+        <p:cNvPr id="1" name=""/>
+        <p:cNvGrpSpPr/>
+        <p:nvPr/>
+      </p:nvGrpSpPr>
+      <p:grpSpPr>
+        <a:xfrm>
+          <a:off x="0" y="0"/>
+          <a:ext cx="0" cy="0"/>
+          <a:chOff x="0" y="0"/>
+          <a:chExt cx="0" cy="0"/>
+        </a:xfrm>
+      </p:grpSpPr>
+      <p:sp>
+        <p:nvSpPr>
+          <p:cNvPr id="2" name="Title 1">
+            <a:extLst>
+              <a:ext uri="{FF2B5EF4-FFF2-40B4-BE49-F238E27FC236}">
+                <a16:creationId xmlns:a16="http://schemas.microsoft.com/office/drawing/2014/main" id="{004A6BDC-D03A-40CB-B99D-8BC28F127802}"/>
+              </a:ext>
+            </a:extLst>
+          </p:cNvPr>
+          <p:cNvSpPr>
+            <a:spLocks noGrp="1"/>
+          </p:cNvSpPr>
+          <p:nvPr>
+            <p:ph type="title"/>
+          </p:nvPr>
+        </p:nvSpPr>
+        <p:spPr/>
+        <p:txBody>
+          <a:bodyPr/>
+          <a:lstStyle/>
+          <a:p>
+            <a:r>
+              <a:rPr lang="en-GB" dirty="0"/>
+              <a:t>Predictive analytics</a:t>
+            </a:r>
+            <a:endParaRPr lang="en-IN" dirty="0"/>
+          </a:p>
+        </p:txBody>
+      </p:sp>
+      <p:sp>
+        <p:nvSpPr>
+          <p:cNvPr id="3" name="Content Placeholder 2">
+            <a:extLst>
+              <a:ext uri="{FF2B5EF4-FFF2-40B4-BE49-F238E27FC236}">
+                <a16:creationId xmlns:a16="http://schemas.microsoft.com/office/drawing/2014/main" id="{E02BD498-F024-465E-AE69-4C8EC6228098}"/>
+              </a:ext>
+            </a:extLst>
+          </p:cNvPr>
+          <p:cNvSpPr>
+            <a:spLocks noGrp="1"/>
+          </p:cNvSpPr>
+          <p:nvPr>
+            <p:ph idx="1"/>
+          </p:nvPr>
+        </p:nvSpPr>
+        <p:spPr/>
+        <p:txBody>
+          <a:bodyPr/>
+          <a:lstStyle/>
+          <a:p>
+            <a:r>
+              <a:rPr lang="en-GB" dirty="0">
+                <a:solidFill>
+                  <a:srgbClr val="00B0F0"/>
+                </a:solidFill>
+              </a:rPr>
+              <a:t>What will happen?</a:t>
+            </a:r>
+          </a:p>
+          <a:p>
+            <a:r>
+              <a:rPr lang="en-GB" dirty="0"/>
+              <a:t>End user app via ML model predict with current input about the undesired outcome.</a:t>
+            </a:r>
+          </a:p>
+          <a:p>
+            <a:r>
+              <a:rPr lang="en-GB" dirty="0">
+                <a:solidFill>
+                  <a:srgbClr val="00B0F0"/>
+                </a:solidFill>
+              </a:rPr>
+              <a:t>E.g.</a:t>
+            </a:r>
+            <a:r>
+              <a:rPr lang="en-GB" dirty="0"/>
+              <a:t> When should I service this machine?</a:t>
+            </a:r>
+            <a:endParaRPr lang="en-IN" dirty="0"/>
+          </a:p>
+        </p:txBody>
+      </p:sp>
+    </p:spTree>
+    <p:extLst>
+      <p:ext uri="{BB962C8B-B14F-4D97-AF65-F5344CB8AC3E}">
+        <p14:creationId xmlns:p14="http://schemas.microsoft.com/office/powerpoint/2010/main" val="4269588362"/>
+      </p:ext>
+    </p:extLst>
+  </p:cSld>
+  <p:clrMapOvr>
+    <a:masterClrMapping/>
+  </p:clrMapOvr>
+</p:sld>
+</file>
+
+<file path=ppt/slides/slide16.xml><?xml version="1.0" encoding="utf-8"?>
+<p:sld xmlns:a="http://schemas.openxmlformats.org/drawingml/2006/main" xmlns:r="http://schemas.openxmlformats.org/officeDocument/2006/relationships" xmlns:p="http://schemas.openxmlformats.org/presentationml/2006/main">
+  <p:cSld>
+    <p:spTree>
+      <p:nvGrpSpPr>
+        <p:cNvPr id="1" name=""/>
+        <p:cNvGrpSpPr/>
+        <p:nvPr/>
+      </p:nvGrpSpPr>
+      <p:grpSpPr>
+        <a:xfrm>
+          <a:off x="0" y="0"/>
+          <a:ext cx="0" cy="0"/>
+          <a:chOff x="0" y="0"/>
+          <a:chExt cx="0" cy="0"/>
+        </a:xfrm>
+      </p:grpSpPr>
+      <p:sp>
+        <p:nvSpPr>
+          <p:cNvPr id="2" name="Title 1">
+            <a:extLst>
+              <a:ext uri="{FF2B5EF4-FFF2-40B4-BE49-F238E27FC236}">
+                <a16:creationId xmlns:a16="http://schemas.microsoft.com/office/drawing/2014/main" id="{608F5739-29F7-4BC7-B9B7-5DD06FBEC28C}"/>
+              </a:ext>
+            </a:extLst>
+          </p:cNvPr>
+          <p:cNvSpPr>
+            <a:spLocks noGrp="1"/>
+          </p:cNvSpPr>
+          <p:nvPr>
+            <p:ph type="title"/>
+          </p:nvPr>
+        </p:nvSpPr>
+        <p:spPr/>
+        <p:txBody>
+          <a:bodyPr/>
+          <a:lstStyle/>
+          <a:p>
+            <a:r>
+              <a:rPr lang="en-GB" dirty="0"/>
+              <a:t>Prescriptive analytics</a:t>
+            </a:r>
+            <a:endParaRPr lang="en-IN" dirty="0"/>
+          </a:p>
+        </p:txBody>
+      </p:sp>
+      <p:sp>
+        <p:nvSpPr>
+          <p:cNvPr id="3" name="Content Placeholder 2">
+            <a:extLst>
+              <a:ext uri="{FF2B5EF4-FFF2-40B4-BE49-F238E27FC236}">
+                <a16:creationId xmlns:a16="http://schemas.microsoft.com/office/drawing/2014/main" id="{21854758-E119-43E0-94CF-E60AC5F05065}"/>
+              </a:ext>
+            </a:extLst>
+          </p:cNvPr>
+          <p:cNvSpPr>
+            <a:spLocks noGrp="1"/>
+          </p:cNvSpPr>
+          <p:nvPr>
+            <p:ph idx="1"/>
+          </p:nvPr>
+        </p:nvSpPr>
+        <p:spPr/>
+        <p:txBody>
+          <a:bodyPr/>
+          <a:lstStyle/>
+          <a:p>
+            <a:r>
+              <a:rPr lang="en-GB" dirty="0">
+                <a:solidFill>
+                  <a:srgbClr val="00B0F0"/>
+                </a:solidFill>
+              </a:rPr>
+              <a:t>What action should I take?</a:t>
+            </a:r>
+          </a:p>
+          <a:p>
+            <a:r>
+              <a:rPr lang="en-GB" dirty="0"/>
+              <a:t>Recommendations provided by the system to take for the prediction it did. For the undesired situation predicted, solution also system itself gives.</a:t>
+            </a:r>
+          </a:p>
+          <a:p>
+            <a:r>
+              <a:rPr lang="en-GB" dirty="0">
+                <a:solidFill>
+                  <a:srgbClr val="00B0F0"/>
+                </a:solidFill>
+              </a:rPr>
+              <a:t>E.g.</a:t>
+            </a:r>
+            <a:r>
+              <a:rPr lang="en-GB" dirty="0"/>
+              <a:t> Answers for the question - This machine is creating too many defective components. How can I avoid this?</a:t>
+            </a:r>
+          </a:p>
+          <a:p>
+            <a:r>
+              <a:rPr lang="en-GB" dirty="0"/>
+              <a:t>Used in most critical projects like Nuclear plants etc.</a:t>
+            </a:r>
+            <a:endParaRPr lang="en-IN" dirty="0"/>
+          </a:p>
+        </p:txBody>
+      </p:sp>
+    </p:spTree>
+    <p:extLst>
+      <p:ext uri="{BB962C8B-B14F-4D97-AF65-F5344CB8AC3E}">
+        <p14:creationId xmlns:p14="http://schemas.microsoft.com/office/powerpoint/2010/main" val="2587368916"/>
+      </p:ext>
+    </p:extLst>
+  </p:cSld>
+  <p:clrMapOvr>
+    <a:masterClrMapping/>
+  </p:clrMapOvr>
+</p:sld>
+</file>
+
+<file path=ppt/slides/slide17.xml><?xml version="1.0" encoding="utf-8"?>
+<p:sld xmlns:a="http://schemas.openxmlformats.org/drawingml/2006/main" xmlns:r="http://schemas.openxmlformats.org/officeDocument/2006/relationships" xmlns:p="http://schemas.openxmlformats.org/presentationml/2006/main">
+  <p:cSld>
+    <p:spTree>
+      <p:nvGrpSpPr>
+        <p:cNvPr id="1" name=""/>
+        <p:cNvGrpSpPr/>
+        <p:nvPr/>
+      </p:nvGrpSpPr>
+      <p:grpSpPr>
+        <a:xfrm>
+          <a:off x="0" y="0"/>
+          <a:ext cx="0" cy="0"/>
+          <a:chOff x="0" y="0"/>
+          <a:chExt cx="0" cy="0"/>
+        </a:xfrm>
+      </p:grpSpPr>
+      <p:sp>
+        <p:nvSpPr>
+          <p:cNvPr id="2" name="Title 1">
+            <a:extLst>
+              <a:ext uri="{FF2B5EF4-FFF2-40B4-BE49-F238E27FC236}">
+                <a16:creationId xmlns:a16="http://schemas.microsoft.com/office/drawing/2014/main" id="{7B7C8366-4F98-4B54-B526-0C7D6B38AF72}"/>
+              </a:ext>
+            </a:extLst>
+          </p:cNvPr>
+          <p:cNvSpPr>
+            <a:spLocks noGrp="1"/>
+          </p:cNvSpPr>
+          <p:nvPr>
+            <p:ph type="title"/>
+          </p:nvPr>
+        </p:nvSpPr>
+        <p:spPr/>
+        <p:txBody>
+          <a:bodyPr/>
+          <a:lstStyle/>
+          <a:p>
+            <a:r>
+              <a:rPr lang="en-GB" dirty="0"/>
+              <a:t>TYPES of analytics</a:t>
+            </a:r>
+            <a:br>
+              <a:rPr lang="en-GB" dirty="0"/>
+            </a:br>
+            <a:r>
+              <a:rPr lang="en-GB" sz="1800" dirty="0"/>
+              <a:t>Energy (Turbine Power)</a:t>
+            </a:r>
+            <a:br>
+              <a:rPr lang="en-GB" dirty="0"/>
+            </a:br>
+            <a:r>
+              <a:rPr lang="en-GB" dirty="0"/>
+              <a:t> </a:t>
+            </a:r>
+            <a:endParaRPr lang="en-IN" dirty="0"/>
+          </a:p>
+        </p:txBody>
+      </p:sp>
+      <p:sp>
+        <p:nvSpPr>
+          <p:cNvPr id="3" name="Content Placeholder 2">
+            <a:extLst>
+              <a:ext uri="{FF2B5EF4-FFF2-40B4-BE49-F238E27FC236}">
+                <a16:creationId xmlns:a16="http://schemas.microsoft.com/office/drawing/2014/main" id="{A3049EBB-0B1A-4ADA-9C6D-13D0FA28AFFC}"/>
+              </a:ext>
+            </a:extLst>
+          </p:cNvPr>
+          <p:cNvSpPr>
+            <a:spLocks noGrp="1"/>
+          </p:cNvSpPr>
+          <p:nvPr>
+            <p:ph idx="1"/>
+          </p:nvPr>
+        </p:nvSpPr>
+        <p:spPr>
+          <a:xfrm>
+            <a:off x="3625770" y="776254"/>
+            <a:ext cx="8053085" cy="5242581"/>
+          </a:xfrm>
+        </p:spPr>
+        <p:txBody>
+          <a:bodyPr>
+            <a:normAutofit/>
+          </a:bodyPr>
+          <a:lstStyle/>
+          <a:p>
+            <a:endParaRPr lang="en-GB" b="1" dirty="0"/>
+          </a:p>
+          <a:p>
+            <a:endParaRPr lang="en-GB" b="1" dirty="0"/>
+          </a:p>
+          <a:p>
+            <a:endParaRPr lang="en-GB" b="1" dirty="0"/>
+          </a:p>
+          <a:p>
+            <a:r>
+              <a:rPr lang="en-GB" b="1" dirty="0">
+                <a:solidFill>
+                  <a:srgbClr val="00B0F0"/>
+                </a:solidFill>
+              </a:rPr>
+              <a:t>Descriptive</a:t>
+            </a:r>
+            <a:r>
+              <a:rPr lang="en-GB" dirty="0"/>
+              <a:t> – What quantity of power generated in last month?</a:t>
+            </a:r>
+          </a:p>
+          <a:p>
+            <a:r>
+              <a:rPr lang="en-GB" b="1" dirty="0">
+                <a:solidFill>
+                  <a:srgbClr val="00B0F0"/>
+                </a:solidFill>
+              </a:rPr>
+              <a:t>Diagnostic</a:t>
+            </a:r>
+            <a:r>
+              <a:rPr lang="en-GB" dirty="0"/>
+              <a:t> – Why 10% decrease in power generation compared to last month?</a:t>
+            </a:r>
+          </a:p>
+          <a:p>
+            <a:r>
+              <a:rPr lang="en-GB" b="1" dirty="0">
+                <a:solidFill>
+                  <a:srgbClr val="00B0F0"/>
+                </a:solidFill>
+              </a:rPr>
+              <a:t>Predictive</a:t>
+            </a:r>
+            <a:r>
+              <a:rPr lang="en-GB" dirty="0"/>
+              <a:t> – What is the quantity of power that would get generated in next month?</a:t>
+            </a:r>
+          </a:p>
+          <a:p>
+            <a:r>
+              <a:rPr lang="en-GB" b="1" dirty="0">
+                <a:solidFill>
+                  <a:srgbClr val="00B0F0"/>
+                </a:solidFill>
+              </a:rPr>
+              <a:t>Prescriptive</a:t>
+            </a:r>
+            <a:r>
+              <a:rPr lang="en-GB" dirty="0"/>
+              <a:t> – How to avoid decrease in power generation in upcoming months by minimizing downtime and undergo maintenance on-time?</a:t>
+            </a:r>
+          </a:p>
+          <a:p>
+            <a:endParaRPr lang="en-IN" dirty="0"/>
+          </a:p>
+          <a:p>
+            <a:endParaRPr lang="en-IN" dirty="0"/>
+          </a:p>
+          <a:p>
+            <a:endParaRPr lang="en-IN" dirty="0"/>
+          </a:p>
+          <a:p>
+            <a:endParaRPr lang="en-IN" dirty="0"/>
+          </a:p>
+          <a:p>
+            <a:endParaRPr lang="en-IN" dirty="0"/>
+          </a:p>
+        </p:txBody>
+      </p:sp>
+    </p:spTree>
+    <p:extLst>
+      <p:ext uri="{BB962C8B-B14F-4D97-AF65-F5344CB8AC3E}">
+        <p14:creationId xmlns:p14="http://schemas.microsoft.com/office/powerpoint/2010/main" val="809225594"/>
+      </p:ext>
+    </p:extLst>
+  </p:cSld>
+  <p:clrMapOvr>
+    <a:masterClrMapping/>
+  </p:clrMapOvr>
+</p:sld>
+</file>
+
+<file path=ppt/slides/slide18.xml><?xml version="1.0" encoding="utf-8"?>
 <p:sld xmlns:a="http://schemas.openxmlformats.org/drawingml/2006/main" xmlns:r="http://schemas.openxmlformats.org/officeDocument/2006/relationships" xmlns:p="http://schemas.openxmlformats.org/presentationml/2006/main">
   <p:cSld>
     <p:spTree>
@@ -8511,10 +9398,10 @@
           <a:p>
             <a:pPr algn="ctr"/>
             <a:r>
-              <a:rPr lang="en-US" sz="3200" b="0" cap="none" spc="0" dirty="0">
+              <a:rPr lang="en-US" sz="3200" b="1" cap="none" spc="0" dirty="0">
                 <a:ln w="0"/>
                 <a:solidFill>
-                  <a:schemeClr val="tx1"/>
+                  <a:srgbClr val="00B0F0"/>
                 </a:solidFill>
                 <a:effectLst>
                   <a:outerShdw blurRad="38100" dist="19050" dir="2700000" algn="tl" rotWithShape="0">
@@ -8559,10 +9446,10 @@
           <a:p>
             <a:pPr algn="ctr"/>
             <a:r>
-              <a:rPr lang="en-US" sz="3200" b="0" cap="none" spc="0" dirty="0">
+              <a:rPr lang="en-US" sz="3200" b="1" cap="none" spc="0" dirty="0">
                 <a:ln w="0"/>
                 <a:solidFill>
-                  <a:schemeClr val="tx1"/>
+                  <a:srgbClr val="00B0F0"/>
                 </a:solidFill>
                 <a:effectLst>
                   <a:outerShdw blurRad="38100" dist="19050" dir="2700000" algn="tl" rotWithShape="0">
@@ -8628,7 +9515,7 @@
 </p:sld>
 </file>
 
-<file path=ppt/slides/slide13.xml><?xml version="1.0" encoding="utf-8"?>
+<file path=ppt/slides/slide19.xml><?xml version="1.0" encoding="utf-8"?>
 <p:sld xmlns:a="http://schemas.openxmlformats.org/drawingml/2006/main" xmlns:r="http://schemas.openxmlformats.org/officeDocument/2006/relationships" xmlns:p="http://schemas.openxmlformats.org/presentationml/2006/main">
   <p:cSld>
     <p:spTree>
@@ -8824,7 +9711,117 @@
 </p:sld>
 </file>
 
-<file path=ppt/slides/slide14.xml><?xml version="1.0" encoding="utf-8"?>
+<file path=ppt/slides/slide2.xml><?xml version="1.0" encoding="utf-8"?>
+<p:sld xmlns:a="http://schemas.openxmlformats.org/drawingml/2006/main" xmlns:r="http://schemas.openxmlformats.org/officeDocument/2006/relationships" xmlns:p="http://schemas.openxmlformats.org/presentationml/2006/main">
+  <p:cSld>
+    <p:spTree>
+      <p:nvGrpSpPr>
+        <p:cNvPr id="1" name=""/>
+        <p:cNvGrpSpPr/>
+        <p:nvPr/>
+      </p:nvGrpSpPr>
+      <p:grpSpPr>
+        <a:xfrm>
+          <a:off x="0" y="0"/>
+          <a:ext cx="0" cy="0"/>
+          <a:chOff x="0" y="0"/>
+          <a:chExt cx="0" cy="0"/>
+        </a:xfrm>
+      </p:grpSpPr>
+      <p:sp>
+        <p:nvSpPr>
+          <p:cNvPr id="2" name="Title 1">
+            <a:extLst>
+              <a:ext uri="{FF2B5EF4-FFF2-40B4-BE49-F238E27FC236}">
+                <a16:creationId xmlns:a16="http://schemas.microsoft.com/office/drawing/2014/main" id="{6AA95B86-B91D-4A6A-9E02-5BAEA8E5EB6C}"/>
+              </a:ext>
+            </a:extLst>
+          </p:cNvPr>
+          <p:cNvSpPr>
+            <a:spLocks noGrp="1"/>
+          </p:cNvSpPr>
+          <p:nvPr>
+            <p:ph type="title"/>
+          </p:nvPr>
+        </p:nvSpPr>
+        <p:spPr/>
+        <p:txBody>
+          <a:bodyPr/>
+          <a:lstStyle/>
+          <a:p>
+            <a:endParaRPr lang="en-IN"/>
+          </a:p>
+        </p:txBody>
+      </p:sp>
+      <p:sp>
+        <p:nvSpPr>
+          <p:cNvPr id="3" name="Content Placeholder 2">
+            <a:extLst>
+              <a:ext uri="{FF2B5EF4-FFF2-40B4-BE49-F238E27FC236}">
+                <a16:creationId xmlns:a16="http://schemas.microsoft.com/office/drawing/2014/main" id="{9CE98673-3B51-4DF0-87D9-54CA3AAECBA6}"/>
+              </a:ext>
+            </a:extLst>
+          </p:cNvPr>
+          <p:cNvSpPr>
+            <a:spLocks noGrp="1"/>
+          </p:cNvSpPr>
+          <p:nvPr>
+            <p:ph idx="1"/>
+          </p:nvPr>
+        </p:nvSpPr>
+        <p:spPr/>
+        <p:txBody>
+          <a:bodyPr/>
+          <a:lstStyle/>
+          <a:p>
+            <a:endParaRPr lang="en-IN"/>
+          </a:p>
+        </p:txBody>
+      </p:sp>
+      <p:pic>
+        <p:nvPicPr>
+          <p:cNvPr id="5" name="Picture 4">
+            <a:extLst>
+              <a:ext uri="{FF2B5EF4-FFF2-40B4-BE49-F238E27FC236}">
+                <a16:creationId xmlns:a16="http://schemas.microsoft.com/office/drawing/2014/main" id="{05B1923B-CDC1-432C-8C31-DD8DFF5CEDE8}"/>
+              </a:ext>
+            </a:extLst>
+          </p:cNvPr>
+          <p:cNvPicPr>
+            <a:picLocks noChangeAspect="1"/>
+          </p:cNvPicPr>
+          <p:nvPr/>
+        </p:nvPicPr>
+        <p:blipFill>
+          <a:blip r:embed="rId2"/>
+          <a:stretch>
+            <a:fillRect/>
+          </a:stretch>
+        </p:blipFill>
+        <p:spPr>
+          <a:xfrm>
+            <a:off x="0" y="0"/>
+            <a:ext cx="12192000" cy="6858000"/>
+          </a:xfrm>
+          <a:prstGeom prst="rect">
+            <a:avLst/>
+          </a:prstGeom>
+        </p:spPr>
+      </p:pic>
+    </p:spTree>
+    <p:extLst>
+      <p:ext uri="{BB962C8B-B14F-4D97-AF65-F5344CB8AC3E}">
+        <p14:creationId xmlns:p14="http://schemas.microsoft.com/office/powerpoint/2010/main" val="649788477"/>
+      </p:ext>
+    </p:extLst>
+  </p:cSld>
+  <p:clrMapOvr>
+    <a:masterClrMapping/>
+  </p:clrMapOvr>
+</p:sld>
+</file>
+
+<file path=ppt/slides/slide20.xml><?xml version="1.0" encoding="utf-8"?>
 <p:sld xmlns:a="http://schemas.openxmlformats.org/drawingml/2006/main" xmlns:r="http://schemas.openxmlformats.org/officeDocument/2006/relationships" xmlns:p="http://schemas.openxmlformats.org/presentationml/2006/main">
   <p:cSld>
     <p:spTree>
@@ -9014,7 +10011,7 @@
 </p:sld>
 </file>
 
-<file path=ppt/slides/slide15.xml><?xml version="1.0" encoding="utf-8"?>
+<file path=ppt/slides/slide21.xml><?xml version="1.0" encoding="utf-8"?>
 <p:sld xmlns:a="http://schemas.openxmlformats.org/drawingml/2006/main" xmlns:r="http://schemas.openxmlformats.org/officeDocument/2006/relationships" xmlns:p="http://schemas.openxmlformats.org/presentationml/2006/main">
   <p:cSld>
     <p:spTree>
@@ -9093,19 +10090,19 @@
           <a:p>
             <a:r>
               <a:rPr lang="en-GB" dirty="0"/>
-              <a:t>On-premises</a:t>
+              <a:t>On-premises.</a:t>
             </a:r>
           </a:p>
           <a:p>
             <a:r>
               <a:rPr lang="en-GB" dirty="0"/>
-              <a:t>Cloud</a:t>
+              <a:t>Cloud.</a:t>
             </a:r>
           </a:p>
           <a:p>
             <a:r>
               <a:rPr lang="en-GB" dirty="0"/>
-              <a:t>Hybrid</a:t>
+              <a:t>Hybrid.</a:t>
             </a:r>
             <a:endParaRPr lang="en-IN" dirty="0"/>
           </a:p>
@@ -9124,7 +10121,7 @@
 </p:sld>
 </file>
 
-<file path=ppt/slides/slide16.xml><?xml version="1.0" encoding="utf-8"?>
+<file path=ppt/slides/slide22.xml><?xml version="1.0" encoding="utf-8"?>
 <p:sld xmlns:a="http://schemas.openxmlformats.org/drawingml/2006/main" xmlns:r="http://schemas.openxmlformats.org/officeDocument/2006/relationships" xmlns:p="http://schemas.openxmlformats.org/presentationml/2006/main">
   <p:cSld>
     <p:spTree>
@@ -9193,19 +10190,19 @@
           <a:p>
             <a:r>
               <a:rPr lang="en-GB" dirty="0"/>
-              <a:t>CSV</a:t>
+              <a:t>CSV.</a:t>
             </a:r>
           </a:p>
           <a:p>
             <a:r>
               <a:rPr lang="en-GB" dirty="0"/>
-              <a:t>Talend</a:t>
+              <a:t>Talend.</a:t>
             </a:r>
           </a:p>
           <a:p>
             <a:r>
               <a:rPr lang="en-GB" dirty="0"/>
-              <a:t>Apache Spark – single node</a:t>
+              <a:t>Apache Spark – single node.</a:t>
             </a:r>
           </a:p>
           <a:p>
@@ -9219,7 +10216,7 @@
             </a:r>
             <a:r>
               <a:rPr lang="en-GB" dirty="0"/>
-              <a:t> Notebooks</a:t>
+              <a:t> Notebooks.</a:t>
             </a:r>
           </a:p>
           <a:p>
@@ -9240,7 +10237,7 @@
 </p:sld>
 </file>
 
-<file path=ppt/slides/slide17.xml><?xml version="1.0" encoding="utf-8"?>
+<file path=ppt/slides/slide23.xml><?xml version="1.0" encoding="utf-8"?>
 <p:sld xmlns:a="http://schemas.openxmlformats.org/drawingml/2006/main" xmlns:r="http://schemas.openxmlformats.org/officeDocument/2006/relationships" xmlns:p="http://schemas.openxmlformats.org/presentationml/2006/main">
   <p:cSld>
     <p:spTree>
@@ -9280,7 +10277,7 @@
           <a:p>
             <a:r>
               <a:rPr lang="en-GB" dirty="0"/>
-              <a:t>Cloud architecture</a:t>
+              <a:t>Cloud</a:t>
             </a:r>
             <a:endParaRPr lang="en-IN" dirty="0"/>
           </a:p>
@@ -9307,7 +10304,7 @@
           <a:bodyPr/>
           <a:lstStyle/>
           <a:p>
-            <a:endParaRPr lang="en-IN"/>
+            <a:endParaRPr lang="en-IN" dirty="0"/>
           </a:p>
         </p:txBody>
       </p:sp>
@@ -9340,7 +10337,7 @@
         </p:blipFill>
         <p:spPr bwMode="auto">
           <a:xfrm>
-            <a:off x="3672432" y="1606419"/>
+            <a:off x="3672432" y="2089002"/>
             <a:ext cx="7708872" cy="3636018"/>
           </a:xfrm>
           <a:prstGeom prst="rect">
@@ -9363,6 +10360,76 @@
           </a:extLst>
         </p:spPr>
       </p:pic>
+      <p:sp>
+        <p:nvSpPr>
+          <p:cNvPr id="4" name="TextBox 3">
+            <a:extLst>
+              <a:ext uri="{FF2B5EF4-FFF2-40B4-BE49-F238E27FC236}">
+                <a16:creationId xmlns:a16="http://schemas.microsoft.com/office/drawing/2014/main" id="{D7B250B8-9C5A-469F-8F4D-6A221FA14D87}"/>
+              </a:ext>
+            </a:extLst>
+          </p:cNvPr>
+          <p:cNvSpPr txBox="1"/>
+          <p:nvPr/>
+        </p:nvSpPr>
+        <p:spPr>
+          <a:xfrm>
+            <a:off x="3869268" y="1123837"/>
+            <a:ext cx="7234177" cy="646331"/>
+          </a:xfrm>
+          <a:prstGeom prst="rect">
+            <a:avLst/>
+          </a:prstGeom>
+          <a:noFill/>
+        </p:spPr>
+        <p:txBody>
+          <a:bodyPr wrap="square" rtlCol="0">
+            <a:spAutoFit/>
+          </a:bodyPr>
+          <a:lstStyle/>
+          <a:p>
+            <a:r>
+              <a:rPr lang="en-GB" dirty="0">
+                <a:solidFill>
+                  <a:srgbClr val="676767"/>
+                </a:solidFill>
+                <a:latin typeface="LatoWeb"/>
+              </a:rPr>
+              <a:t>M</a:t>
+            </a:r>
+            <a:r>
+              <a:rPr lang="en-GB" b="0" i="0" dirty="0">
+                <a:solidFill>
+                  <a:srgbClr val="676767"/>
+                </a:solidFill>
+                <a:effectLst/>
+                <a:latin typeface="LatoWeb"/>
+              </a:rPr>
+              <a:t>ost difficult tasks associated with analysis of the IoT data are made easier by using </a:t>
+            </a:r>
+            <a:r>
+              <a:rPr lang="en-GB" dirty="0">
+                <a:solidFill>
+                  <a:srgbClr val="676767"/>
+                </a:solidFill>
+                <a:latin typeface="LatoWeb"/>
+              </a:rPr>
+              <a:t>such</a:t>
+            </a:r>
+            <a:r>
+              <a:rPr lang="en-GB" b="0" i="0" dirty="0">
+                <a:solidFill>
+                  <a:srgbClr val="676767"/>
+                </a:solidFill>
+                <a:effectLst/>
+                <a:latin typeface="LatoWeb"/>
+              </a:rPr>
+              <a:t> fully managed services.</a:t>
+            </a:r>
+            <a:endParaRPr lang="en-IN" dirty="0"/>
+          </a:p>
+        </p:txBody>
+      </p:sp>
     </p:spTree>
     <p:extLst>
       <p:ext uri="{BB962C8B-B14F-4D97-AF65-F5344CB8AC3E}">
@@ -9376,7 +10443,7 @@
 </p:sld>
 </file>
 
-<file path=ppt/slides/slide18.xml><?xml version="1.0" encoding="utf-8"?>
+<file path=ppt/slides/slide24.xml><?xml version="1.0" encoding="utf-8"?>
 <p:sld xmlns:a="http://schemas.openxmlformats.org/drawingml/2006/main" xmlns:r="http://schemas.openxmlformats.org/officeDocument/2006/relationships" xmlns:p="http://schemas.openxmlformats.org/presentationml/2006/main">
   <p:cSld>
     <p:spTree>
@@ -9398,7 +10465,7 @@
           <p:cNvPr id="2" name="Title 1">
             <a:extLst>
               <a:ext uri="{FF2B5EF4-FFF2-40B4-BE49-F238E27FC236}">
-                <a16:creationId xmlns:a16="http://schemas.microsoft.com/office/drawing/2014/main" id="{6EA5CA49-4187-4D10-9400-E3F4523C4FF9}"/>
+                <a16:creationId xmlns:a16="http://schemas.microsoft.com/office/drawing/2014/main" id="{F36C4CC0-D7B5-4934-98FB-D2F1CFC78144}"/>
               </a:ext>
             </a:extLst>
           </p:cNvPr>
@@ -9409,64 +10476,151 @@
             <p:ph type="title"/>
           </p:nvPr>
         </p:nvSpPr>
-        <p:spPr>
-          <a:xfrm>
-            <a:off x="484096" y="1031296"/>
-            <a:ext cx="2860988" cy="4795408"/>
-          </a:xfrm>
-        </p:spPr>
-        <p:txBody>
-          <a:bodyPr>
-            <a:normAutofit/>
-          </a:bodyPr>
+        <p:spPr/>
+        <p:txBody>
+          <a:bodyPr/>
           <a:lstStyle/>
           <a:p>
             <a:r>
-              <a:rPr lang="en-IN" dirty="0">
-                <a:solidFill>
-                  <a:srgbClr val="FFFFFF"/>
-                </a:solidFill>
-              </a:rPr>
-              <a:t>Why Cloud?</a:t>
-            </a:r>
-          </a:p>
-        </p:txBody>
-      </p:sp>
-      <p:graphicFrame>
-        <p:nvGraphicFramePr>
-          <p:cNvPr id="5" name="Content Placeholder 2">
+              <a:rPr lang="en-GB" dirty="0"/>
+              <a:t>Data infrastructure for IoT</a:t>
+            </a:r>
+            <a:endParaRPr lang="en-IN" dirty="0"/>
+          </a:p>
+        </p:txBody>
+      </p:sp>
+      <p:sp>
+        <p:nvSpPr>
+          <p:cNvPr id="3" name="Content Placeholder 2">
             <a:extLst>
               <a:ext uri="{FF2B5EF4-FFF2-40B4-BE49-F238E27FC236}">
-                <a16:creationId xmlns:a16="http://schemas.microsoft.com/office/drawing/2014/main" id="{95AF74D3-E032-4BCC-B58F-405E5B77EE6D}"/>
+                <a16:creationId xmlns:a16="http://schemas.microsoft.com/office/drawing/2014/main" id="{C78F6B98-66EA-4EAF-BA50-BBAB45C11B22}"/>
               </a:ext>
             </a:extLst>
           </p:cNvPr>
-          <p:cNvGraphicFramePr>
-            <a:graphicFrameLocks noGrp="1"/>
-          </p:cNvGraphicFramePr>
+          <p:cNvSpPr>
+            <a:spLocks noGrp="1"/>
+          </p:cNvSpPr>
           <p:nvPr>
             <p:ph idx="1"/>
-            <p:extLst>
-              <p:ext uri="{D42A27DB-BD31-4B8C-83A1-F6EECF244321}">
-                <p14:modId xmlns:p14="http://schemas.microsoft.com/office/powerpoint/2010/main" val="1448202545"/>
-              </p:ext>
-            </p:extLst>
-          </p:nvPr>
-        </p:nvGraphicFramePr>
-        <p:xfrm>
-          <a:off x="3460830" y="451413"/>
-          <a:ext cx="8247075" cy="5904937"/>
-        </p:xfrm>
-        <a:graphic>
-          <a:graphicData uri="http://schemas.openxmlformats.org/drawingml/2006/diagram">
-            <dgm:relIds xmlns:dgm="http://schemas.openxmlformats.org/drawingml/2006/diagram" xmlns:r="http://schemas.openxmlformats.org/officeDocument/2006/relationships" r:dm="rId2" r:lo="rId3" r:qs="rId4" r:cs="rId5"/>
-          </a:graphicData>
-        </a:graphic>
-      </p:graphicFrame>
+          </p:nvPr>
+        </p:nvSpPr>
+        <p:spPr/>
+        <p:txBody>
+          <a:bodyPr/>
+          <a:lstStyle/>
+          <a:p>
+            <a:pPr marL="171450" marR="0" lvl="0" indent="-171450" algn="l" defTabSz="914400" rtl="0" eaLnBrk="1" fontAlgn="auto" latinLnBrk="0" hangingPunct="1">
+              <a:lnSpc>
+                <a:spcPct val="100000"/>
+              </a:lnSpc>
+              <a:spcBef>
+                <a:spcPts val="0"/>
+              </a:spcBef>
+              <a:spcAft>
+                <a:spcPts val="0"/>
+              </a:spcAft>
+              <a:buClrTx/>
+              <a:buSzTx/>
+              <a:buFont typeface="Arial" panose="020B0604020202020204" pitchFamily="34" charset="0"/>
+              <a:buChar char="•"/>
+              <a:tabLst/>
+              <a:defRPr/>
+            </a:pPr>
+            <a:r>
+              <a:rPr lang="en-IN" b="1" dirty="0">
+                <a:solidFill>
+                  <a:srgbClr val="00B0F0"/>
+                </a:solidFill>
+              </a:rPr>
+              <a:t>Ingest/Capture</a:t>
+            </a:r>
+            <a:r>
+              <a:rPr lang="en-IN" dirty="0"/>
+              <a:t> – Azure IOT / Event Hub / Kafka.</a:t>
+            </a:r>
+          </a:p>
+          <a:p>
+            <a:pPr marL="171450" indent="-171450">
+              <a:buFont typeface="Arial" panose="020B0604020202020204" pitchFamily="34" charset="0"/>
+              <a:buChar char="•"/>
+            </a:pPr>
+            <a:r>
+              <a:rPr lang="en-IN" b="1" dirty="0">
+                <a:solidFill>
+                  <a:srgbClr val="00B0F0"/>
+                </a:solidFill>
+              </a:rPr>
+              <a:t>Store</a:t>
+            </a:r>
+            <a:r>
+              <a:rPr lang="en-IN" dirty="0"/>
+              <a:t> – Data lake.</a:t>
+            </a:r>
+          </a:p>
+          <a:p>
+            <a:pPr marL="171450" indent="-171450">
+              <a:buFont typeface="Arial" panose="020B0604020202020204" pitchFamily="34" charset="0"/>
+              <a:buChar char="•"/>
+            </a:pPr>
+            <a:r>
+              <a:rPr lang="en-IN" b="1" dirty="0">
+                <a:solidFill>
+                  <a:srgbClr val="00B0F0"/>
+                </a:solidFill>
+              </a:rPr>
+              <a:t>Prep or stream processing</a:t>
+            </a:r>
+            <a:r>
+              <a:rPr lang="en-IN" dirty="0"/>
+              <a:t> – Azure Databricks / Stream Analytics.</a:t>
+            </a:r>
+          </a:p>
+          <a:p>
+            <a:pPr marL="171450" indent="-171450">
+              <a:buFont typeface="Arial" panose="020B0604020202020204" pitchFamily="34" charset="0"/>
+              <a:buChar char="•"/>
+            </a:pPr>
+            <a:r>
+              <a:rPr lang="en-IN" b="1" dirty="0">
+                <a:solidFill>
+                  <a:srgbClr val="00B0F0"/>
+                </a:solidFill>
+              </a:rPr>
+              <a:t>Serve</a:t>
+            </a:r>
+            <a:r>
+              <a:rPr lang="en-IN" dirty="0"/>
+              <a:t> – Synapse Analytics.</a:t>
+            </a:r>
+          </a:p>
+          <a:p>
+            <a:pPr marL="171450" indent="-171450">
+              <a:buFont typeface="Arial" panose="020B0604020202020204" pitchFamily="34" charset="0"/>
+              <a:buChar char="•"/>
+            </a:pPr>
+            <a:r>
+              <a:rPr lang="en-IN" b="1" dirty="0">
+                <a:solidFill>
+                  <a:srgbClr val="00B0F0"/>
+                </a:solidFill>
+              </a:rPr>
+              <a:t>Visualize</a:t>
+            </a:r>
+            <a:r>
+              <a:rPr lang="en-IN" dirty="0"/>
+              <a:t> – Power BI.</a:t>
+            </a:r>
+          </a:p>
+          <a:p>
+            <a:endParaRPr lang="en-IN" dirty="0"/>
+          </a:p>
+        </p:txBody>
+      </p:sp>
     </p:spTree>
     <p:extLst>
       <p:ext uri="{BB962C8B-B14F-4D97-AF65-F5344CB8AC3E}">
-        <p14:creationId xmlns:p14="http://schemas.microsoft.com/office/powerpoint/2010/main" val="96144992"/>
+        <p14:creationId xmlns:p14="http://schemas.microsoft.com/office/powerpoint/2010/main" val="2131028664"/>
       </p:ext>
     </p:extLst>
   </p:cSld>
@@ -9476,7 +10630,7 @@
 </p:sld>
 </file>
 
-<file path=ppt/slides/slide19.xml><?xml version="1.0" encoding="utf-8"?>
+<file path=ppt/slides/slide25.xml><?xml version="1.0" encoding="utf-8"?>
 <p:sld xmlns:a="http://schemas.openxmlformats.org/drawingml/2006/main" xmlns:r="http://schemas.openxmlformats.org/officeDocument/2006/relationships" xmlns:p="http://schemas.openxmlformats.org/presentationml/2006/main">
   <p:cSld>
     <p:spTree>
@@ -9498,7 +10652,7 @@
           <p:cNvPr id="2" name="Title 1">
             <a:extLst>
               <a:ext uri="{FF2B5EF4-FFF2-40B4-BE49-F238E27FC236}">
-                <a16:creationId xmlns:a16="http://schemas.microsoft.com/office/drawing/2014/main" id="{1D042430-1306-4C0A-86B4-EFAD006D7859}"/>
+                <a16:creationId xmlns:a16="http://schemas.microsoft.com/office/drawing/2014/main" id="{6EA5CA49-4187-4D10-9400-E3F4523C4FF9}"/>
               </a:ext>
             </a:extLst>
           </p:cNvPr>
@@ -9509,37 +10663,76 @@
             <p:ph type="title"/>
           </p:nvPr>
         </p:nvSpPr>
-        <p:spPr/>
-        <p:txBody>
-          <a:bodyPr/>
+        <p:spPr>
+          <a:xfrm>
+            <a:off x="484096" y="1031296"/>
+            <a:ext cx="2860988" cy="4795408"/>
+          </a:xfrm>
+        </p:spPr>
+        <p:txBody>
+          <a:bodyPr>
+            <a:normAutofit/>
+          </a:bodyPr>
           <a:lstStyle/>
           <a:p>
             <a:r>
-              <a:rPr lang="en-GB" dirty="0"/>
+              <a:rPr lang="en-IN" dirty="0">
+                <a:solidFill>
+                  <a:srgbClr val="FFFFFF"/>
+                </a:solidFill>
+              </a:rPr>
               <a:t>Why Cloud?</a:t>
             </a:r>
-            <a:endParaRPr lang="en-IN" dirty="0"/>
-          </a:p>
-        </p:txBody>
-      </p:sp>
+          </a:p>
+        </p:txBody>
+      </p:sp>
+      <p:graphicFrame>
+        <p:nvGraphicFramePr>
+          <p:cNvPr id="5" name="Content Placeholder 2">
+            <a:extLst>
+              <a:ext uri="{FF2B5EF4-FFF2-40B4-BE49-F238E27FC236}">
+                <a16:creationId xmlns:a16="http://schemas.microsoft.com/office/drawing/2014/main" id="{95AF74D3-E032-4BCC-B58F-405E5B77EE6D}"/>
+              </a:ext>
+            </a:extLst>
+          </p:cNvPr>
+          <p:cNvGraphicFramePr>
+            <a:graphicFrameLocks noGrp="1"/>
+          </p:cNvGraphicFramePr>
+          <p:nvPr>
+            <p:ph idx="1"/>
+            <p:extLst>
+              <p:ext uri="{D42A27DB-BD31-4B8C-83A1-F6EECF244321}">
+                <p14:modId xmlns:p14="http://schemas.microsoft.com/office/powerpoint/2010/main" val="3203644275"/>
+              </p:ext>
+            </p:extLst>
+          </p:nvPr>
+        </p:nvGraphicFramePr>
+        <p:xfrm>
+          <a:off x="3460830" y="451413"/>
+          <a:ext cx="8247075" cy="5904937"/>
+        </p:xfrm>
+        <a:graphic>
+          <a:graphicData uri="http://schemas.openxmlformats.org/drawingml/2006/diagram">
+            <dgm:relIds xmlns:dgm="http://schemas.openxmlformats.org/drawingml/2006/diagram" xmlns:r="http://schemas.openxmlformats.org/officeDocument/2006/relationships" r:dm="rId2" r:lo="rId3" r:qs="rId4" r:cs="rId5"/>
+          </a:graphicData>
+        </a:graphic>
+      </p:graphicFrame>
       <p:pic>
         <p:nvPicPr>
-          <p:cNvPr id="1026" name="Picture 2">
+          <p:cNvPr id="4" name="Picture 2">
             <a:extLst>
               <a:ext uri="{FF2B5EF4-FFF2-40B4-BE49-F238E27FC236}">
-                <a16:creationId xmlns:a16="http://schemas.microsoft.com/office/drawing/2014/main" id="{0BC04D42-3A6F-4EB7-A21A-FA23DBA1F4A4}"/>
+                <a16:creationId xmlns:a16="http://schemas.microsoft.com/office/drawing/2014/main" id="{1BA46D40-8B99-40D7-ABD9-EC7FC1C39E78}"/>
               </a:ext>
             </a:extLst>
           </p:cNvPr>
           <p:cNvPicPr>
-            <a:picLocks noGrp="1" noChangeAspect="1" noChangeArrowheads="1"/>
+            <a:picLocks noChangeAspect="1" noChangeArrowheads="1"/>
           </p:cNvPicPr>
-          <p:nvPr>
-            <p:ph idx="1"/>
-          </p:nvPr>
+          <p:nvPr/>
         </p:nvPicPr>
         <p:blipFill>
-          <a:blip r:embed="rId2">
+          <a:blip r:embed="rId7">
             <a:extLst>
               <a:ext uri="{28A0092B-C50C-407E-A947-70E740481C1C}">
                 <a14:useLocalDpi xmlns:a14="http://schemas.microsoft.com/office/drawing/2010/main" val="0"/>
@@ -9553,8 +10746,8 @@
         </p:blipFill>
         <p:spPr bwMode="auto">
           <a:xfrm>
-            <a:off x="5302250" y="1624012"/>
-            <a:ext cx="4448175" cy="3600450"/>
+            <a:off x="484095" y="3956739"/>
+            <a:ext cx="2418917" cy="1957924"/>
           </a:xfrm>
           <a:prstGeom prst="rect">
             <a:avLst/>
@@ -9574,7 +10767,7 @@
     </p:spTree>
     <p:extLst>
       <p:ext uri="{BB962C8B-B14F-4D97-AF65-F5344CB8AC3E}">
-        <p14:creationId xmlns:p14="http://schemas.microsoft.com/office/powerpoint/2010/main" val="3878443260"/>
+        <p14:creationId xmlns:p14="http://schemas.microsoft.com/office/powerpoint/2010/main" val="96144992"/>
       </p:ext>
     </p:extLst>
   </p:cSld>
@@ -9584,7 +10777,7 @@
 </p:sld>
 </file>
 
-<file path=ppt/slides/slide2.xml><?xml version="1.0" encoding="utf-8"?>
+<file path=ppt/slides/slide26.xml><?xml version="1.0" encoding="utf-8"?>
 <p:sld xmlns:a="http://schemas.openxmlformats.org/drawingml/2006/main" xmlns:r="http://schemas.openxmlformats.org/officeDocument/2006/relationships" xmlns:p="http://schemas.openxmlformats.org/presentationml/2006/main">
   <p:cSld>
     <p:spTree>
@@ -9606,7 +10799,7 @@
           <p:cNvPr id="2" name="Title 1">
             <a:extLst>
               <a:ext uri="{FF2B5EF4-FFF2-40B4-BE49-F238E27FC236}">
-                <a16:creationId xmlns:a16="http://schemas.microsoft.com/office/drawing/2014/main" id="{6AA95B86-B91D-4A6A-9E02-5BAEA8E5EB6C}"/>
+                <a16:creationId xmlns:a16="http://schemas.microsoft.com/office/drawing/2014/main" id="{BAD6993F-4DF6-40E5-8D31-8A7FAA4F52B2}"/>
               </a:ext>
             </a:extLst>
           </p:cNvPr>
@@ -9622,7 +10815,105 @@
           <a:bodyPr/>
           <a:lstStyle/>
           <a:p>
-            <a:endParaRPr lang="en-IN"/>
+            <a:r>
+              <a:rPr lang="en-GB" dirty="0"/>
+              <a:t>Big corporations using IOT platforms</a:t>
+            </a:r>
+            <a:endParaRPr lang="en-IN" dirty="0"/>
+          </a:p>
+        </p:txBody>
+      </p:sp>
+      <p:pic>
+        <p:nvPicPr>
+          <p:cNvPr id="5" name="Content Placeholder 4">
+            <a:extLst>
+              <a:ext uri="{FF2B5EF4-FFF2-40B4-BE49-F238E27FC236}">
+                <a16:creationId xmlns:a16="http://schemas.microsoft.com/office/drawing/2014/main" id="{045A41B4-1CE9-4DF3-B99B-A4B8B80308D8}"/>
+              </a:ext>
+            </a:extLst>
+          </p:cNvPr>
+          <p:cNvPicPr>
+            <a:picLocks noGrp="1" noChangeAspect="1"/>
+          </p:cNvPicPr>
+          <p:nvPr>
+            <p:ph idx="1"/>
+          </p:nvPr>
+        </p:nvPicPr>
+        <p:blipFill>
+          <a:blip r:embed="rId2">
+            <a:extLst>
+              <a:ext uri="{28A0092B-C50C-407E-A947-70E740481C1C}">
+                <a14:useLocalDpi xmlns:a14="http://schemas.microsoft.com/office/drawing/2010/main" val="0"/>
+              </a:ext>
+            </a:extLst>
+          </a:blip>
+          <a:stretch>
+            <a:fillRect/>
+          </a:stretch>
+        </p:blipFill>
+        <p:spPr>
+          <a:xfrm>
+            <a:off x="3868738" y="1507743"/>
+            <a:ext cx="7315200" cy="3832989"/>
+          </a:xfrm>
+        </p:spPr>
+      </p:pic>
+    </p:spTree>
+    <p:extLst>
+      <p:ext uri="{BB962C8B-B14F-4D97-AF65-F5344CB8AC3E}">
+        <p14:creationId xmlns:p14="http://schemas.microsoft.com/office/powerpoint/2010/main" val="1618097944"/>
+      </p:ext>
+    </p:extLst>
+  </p:cSld>
+  <p:clrMapOvr>
+    <a:masterClrMapping/>
+  </p:clrMapOvr>
+</p:sld>
+</file>
+
+<file path=ppt/slides/slide27.xml><?xml version="1.0" encoding="utf-8"?>
+<p:sld xmlns:a="http://schemas.openxmlformats.org/drawingml/2006/main" xmlns:r="http://schemas.openxmlformats.org/officeDocument/2006/relationships" xmlns:p="http://schemas.openxmlformats.org/presentationml/2006/main">
+  <p:cSld>
+    <p:spTree>
+      <p:nvGrpSpPr>
+        <p:cNvPr id="1" name=""/>
+        <p:cNvGrpSpPr/>
+        <p:nvPr/>
+      </p:nvGrpSpPr>
+      <p:grpSpPr>
+        <a:xfrm>
+          <a:off x="0" y="0"/>
+          <a:ext cx="0" cy="0"/>
+          <a:chOff x="0" y="0"/>
+          <a:chExt cx="0" cy="0"/>
+        </a:xfrm>
+      </p:grpSpPr>
+      <p:sp>
+        <p:nvSpPr>
+          <p:cNvPr id="2" name="Title 1">
+            <a:extLst>
+              <a:ext uri="{FF2B5EF4-FFF2-40B4-BE49-F238E27FC236}">
+                <a16:creationId xmlns:a16="http://schemas.microsoft.com/office/drawing/2014/main" id="{8CD4054E-90A5-49AA-9B3B-2FD9DFBD2142}"/>
+              </a:ext>
+            </a:extLst>
+          </p:cNvPr>
+          <p:cNvSpPr>
+            <a:spLocks noGrp="1"/>
+          </p:cNvSpPr>
+          <p:nvPr>
+            <p:ph type="title"/>
+          </p:nvPr>
+        </p:nvSpPr>
+        <p:spPr/>
+        <p:txBody>
+          <a:bodyPr/>
+          <a:lstStyle/>
+          <a:p>
+            <a:r>
+              <a:rPr lang="en-GB" dirty="0"/>
+              <a:t>Hybrid</a:t>
+            </a:r>
+            <a:endParaRPr lang="en-IN" dirty="0"/>
           </a:p>
         </p:txBody>
       </p:sp>
@@ -9631,7 +10922,313 @@
           <p:cNvPr id="3" name="Content Placeholder 2">
             <a:extLst>
               <a:ext uri="{FF2B5EF4-FFF2-40B4-BE49-F238E27FC236}">
-                <a16:creationId xmlns:a16="http://schemas.microsoft.com/office/drawing/2014/main" id="{9CE98673-3B51-4DF0-87D9-54CA3AAECBA6}"/>
+                <a16:creationId xmlns:a16="http://schemas.microsoft.com/office/drawing/2014/main" id="{CF8C52BE-6DC4-4424-8EAD-D89B242D4FF2}"/>
+              </a:ext>
+            </a:extLst>
+          </p:cNvPr>
+          <p:cNvSpPr>
+            <a:spLocks noGrp="1"/>
+          </p:cNvSpPr>
+          <p:nvPr>
+            <p:ph idx="1"/>
+          </p:nvPr>
+        </p:nvSpPr>
+        <p:spPr/>
+        <p:txBody>
+          <a:bodyPr/>
+          <a:lstStyle/>
+          <a:p>
+            <a:r>
+              <a:rPr lang="en-GB" dirty="0"/>
+              <a:t>Development – On premises.</a:t>
+            </a:r>
+          </a:p>
+          <a:p>
+            <a:r>
+              <a:rPr lang="en-GB" dirty="0"/>
+              <a:t>Production and debugging environment – Cloud.</a:t>
+            </a:r>
+          </a:p>
+          <a:p>
+            <a:r>
+              <a:rPr lang="en-GB" dirty="0"/>
+              <a:t>Data Storage alone in Data Lake. </a:t>
+            </a:r>
+            <a:endParaRPr lang="en-IN" dirty="0"/>
+          </a:p>
+        </p:txBody>
+      </p:sp>
+    </p:spTree>
+    <p:extLst>
+      <p:ext uri="{BB962C8B-B14F-4D97-AF65-F5344CB8AC3E}">
+        <p14:creationId xmlns:p14="http://schemas.microsoft.com/office/powerpoint/2010/main" val="340969381"/>
+      </p:ext>
+    </p:extLst>
+  </p:cSld>
+  <p:clrMapOvr>
+    <a:masterClrMapping/>
+  </p:clrMapOvr>
+</p:sld>
+</file>
+
+<file path=ppt/slides/slide28.xml><?xml version="1.0" encoding="utf-8"?>
+<p:sld xmlns:a="http://schemas.openxmlformats.org/drawingml/2006/main" xmlns:r="http://schemas.openxmlformats.org/officeDocument/2006/relationships" xmlns:p="http://schemas.openxmlformats.org/presentationml/2006/main">
+  <p:cSld>
+    <p:spTree>
+      <p:nvGrpSpPr>
+        <p:cNvPr id="1" name=""/>
+        <p:cNvGrpSpPr/>
+        <p:nvPr/>
+      </p:nvGrpSpPr>
+      <p:grpSpPr>
+        <a:xfrm>
+          <a:off x="0" y="0"/>
+          <a:ext cx="0" cy="0"/>
+          <a:chOff x="0" y="0"/>
+          <a:chExt cx="0" cy="0"/>
+        </a:xfrm>
+      </p:grpSpPr>
+      <p:sp>
+        <p:nvSpPr>
+          <p:cNvPr id="2" name="Title 1">
+            <a:extLst>
+              <a:ext uri="{FF2B5EF4-FFF2-40B4-BE49-F238E27FC236}">
+                <a16:creationId xmlns:a16="http://schemas.microsoft.com/office/drawing/2014/main" id="{2CEC0EF4-855C-4E6A-8195-24C2E647E1F4}"/>
+              </a:ext>
+            </a:extLst>
+          </p:cNvPr>
+          <p:cNvSpPr>
+            <a:spLocks noGrp="1"/>
+          </p:cNvSpPr>
+          <p:nvPr>
+            <p:ph type="title"/>
+          </p:nvPr>
+        </p:nvSpPr>
+        <p:spPr/>
+        <p:txBody>
+          <a:bodyPr/>
+          <a:lstStyle/>
+          <a:p>
+            <a:r>
+              <a:rPr lang="en-GB" dirty="0"/>
+              <a:t>Demo</a:t>
+            </a:r>
+            <a:endParaRPr lang="en-IN" dirty="0"/>
+          </a:p>
+        </p:txBody>
+      </p:sp>
+      <p:sp>
+        <p:nvSpPr>
+          <p:cNvPr id="3" name="Text Placeholder 2">
+            <a:extLst>
+              <a:ext uri="{FF2B5EF4-FFF2-40B4-BE49-F238E27FC236}">
+                <a16:creationId xmlns:a16="http://schemas.microsoft.com/office/drawing/2014/main" id="{7F389A1E-A490-480D-B1FC-FC4021C6C7D3}"/>
+              </a:ext>
+            </a:extLst>
+          </p:cNvPr>
+          <p:cNvSpPr>
+            <a:spLocks noGrp="1"/>
+          </p:cNvSpPr>
+          <p:nvPr>
+            <p:ph type="body" idx="1"/>
+          </p:nvPr>
+        </p:nvSpPr>
+        <p:spPr/>
+        <p:txBody>
+          <a:bodyPr/>
+          <a:lstStyle/>
+          <a:p>
+            <a:r>
+              <a:rPr lang="en-GB" dirty="0"/>
+              <a:t>Azure Databricks.</a:t>
+            </a:r>
+            <a:endParaRPr lang="en-IN" dirty="0"/>
+          </a:p>
+        </p:txBody>
+      </p:sp>
+    </p:spTree>
+    <p:extLst>
+      <p:ext uri="{BB962C8B-B14F-4D97-AF65-F5344CB8AC3E}">
+        <p14:creationId xmlns:p14="http://schemas.microsoft.com/office/powerpoint/2010/main" val="17250487"/>
+      </p:ext>
+    </p:extLst>
+  </p:cSld>
+  <p:clrMapOvr>
+    <a:masterClrMapping/>
+  </p:clrMapOvr>
+</p:sld>
+</file>
+
+<file path=ppt/slides/slide29.xml><?xml version="1.0" encoding="utf-8"?>
+<p:sld xmlns:a="http://schemas.openxmlformats.org/drawingml/2006/main" xmlns:r="http://schemas.openxmlformats.org/officeDocument/2006/relationships" xmlns:p="http://schemas.openxmlformats.org/presentationml/2006/main">
+  <p:cSld>
+    <p:spTree>
+      <p:nvGrpSpPr>
+        <p:cNvPr id="1" name=""/>
+        <p:cNvGrpSpPr/>
+        <p:nvPr/>
+      </p:nvGrpSpPr>
+      <p:grpSpPr>
+        <a:xfrm>
+          <a:off x="0" y="0"/>
+          <a:ext cx="0" cy="0"/>
+          <a:chOff x="0" y="0"/>
+          <a:chExt cx="0" cy="0"/>
+        </a:xfrm>
+      </p:grpSpPr>
+      <p:sp>
+        <p:nvSpPr>
+          <p:cNvPr id="2" name="Title 1">
+            <a:extLst>
+              <a:ext uri="{FF2B5EF4-FFF2-40B4-BE49-F238E27FC236}">
+                <a16:creationId xmlns:a16="http://schemas.microsoft.com/office/drawing/2014/main" id="{3DC1EE9E-4C0D-4FAD-A8DD-88BEC50CFFC7}"/>
+              </a:ext>
+            </a:extLst>
+          </p:cNvPr>
+          <p:cNvSpPr>
+            <a:spLocks noGrp="1"/>
+          </p:cNvSpPr>
+          <p:nvPr>
+            <p:ph type="title"/>
+          </p:nvPr>
+        </p:nvSpPr>
+        <p:spPr/>
+        <p:txBody>
+          <a:bodyPr/>
+          <a:lstStyle/>
+          <a:p>
+            <a:r>
+              <a:rPr lang="en-GB" dirty="0"/>
+              <a:t>Challenges</a:t>
+            </a:r>
+            <a:endParaRPr lang="en-IN" dirty="0"/>
+          </a:p>
+        </p:txBody>
+      </p:sp>
+      <p:sp>
+        <p:nvSpPr>
+          <p:cNvPr id="3" name="Content Placeholder 2">
+            <a:extLst>
+              <a:ext uri="{FF2B5EF4-FFF2-40B4-BE49-F238E27FC236}">
+                <a16:creationId xmlns:a16="http://schemas.microsoft.com/office/drawing/2014/main" id="{C3AC3B0E-BC71-4425-ABA6-9A7DEE798B05}"/>
+              </a:ext>
+            </a:extLst>
+          </p:cNvPr>
+          <p:cNvSpPr>
+            <a:spLocks noGrp="1"/>
+          </p:cNvSpPr>
+          <p:nvPr>
+            <p:ph idx="1"/>
+          </p:nvPr>
+        </p:nvSpPr>
+        <p:spPr/>
+        <p:txBody>
+          <a:bodyPr/>
+          <a:lstStyle/>
+          <a:p>
+            <a:pPr marL="457200" indent="-457200">
+              <a:buFont typeface="+mj-lt"/>
+              <a:buAutoNum type="arabicPeriod"/>
+            </a:pPr>
+            <a:r>
+              <a:rPr lang="en-GB" dirty="0"/>
+              <a:t>Too much data with less business value than spending on finding that value.</a:t>
+            </a:r>
+          </a:p>
+          <a:p>
+            <a:pPr marL="457200" indent="-457200">
+              <a:buFont typeface="+mj-lt"/>
+              <a:buAutoNum type="arabicPeriod"/>
+            </a:pPr>
+            <a:r>
+              <a:rPr lang="en-GB" dirty="0"/>
+              <a:t>Heterogenous data getting produced due to sensors used in a field of different companies.</a:t>
+            </a:r>
+          </a:p>
+          <a:p>
+            <a:pPr marL="457200" indent="-457200">
+              <a:buFont typeface="+mj-lt"/>
+              <a:buAutoNum type="arabicPeriod"/>
+            </a:pPr>
+            <a:r>
+              <a:rPr lang="en-GB" dirty="0"/>
+              <a:t>Security breach in a sensor allows attacker to get save incorrect data / raise false alarm etc.</a:t>
+            </a:r>
+          </a:p>
+          <a:p>
+            <a:pPr marL="457200" indent="-457200">
+              <a:buFont typeface="+mj-lt"/>
+              <a:buAutoNum type="arabicPeriod"/>
+            </a:pPr>
+            <a:r>
+              <a:rPr lang="en-GB" dirty="0"/>
+              <a:t>Misbehaving devices - Hardware failure like low battery / power down or software bug may produce incorrect or insufficient data some times.</a:t>
+            </a:r>
+            <a:endParaRPr lang="en-IN" dirty="0"/>
+          </a:p>
+        </p:txBody>
+      </p:sp>
+    </p:spTree>
+    <p:extLst>
+      <p:ext uri="{BB962C8B-B14F-4D97-AF65-F5344CB8AC3E}">
+        <p14:creationId xmlns:p14="http://schemas.microsoft.com/office/powerpoint/2010/main" val="227574886"/>
+      </p:ext>
+    </p:extLst>
+  </p:cSld>
+  <p:clrMapOvr>
+    <a:masterClrMapping/>
+  </p:clrMapOvr>
+</p:sld>
+</file>
+
+<file path=ppt/slides/slide3.xml><?xml version="1.0" encoding="utf-8"?>
+<p:sld xmlns:a="http://schemas.openxmlformats.org/drawingml/2006/main" xmlns:r="http://schemas.openxmlformats.org/officeDocument/2006/relationships" xmlns:p="http://schemas.openxmlformats.org/presentationml/2006/main">
+  <p:cSld>
+    <p:spTree>
+      <p:nvGrpSpPr>
+        <p:cNvPr id="1" name=""/>
+        <p:cNvGrpSpPr/>
+        <p:nvPr/>
+      </p:nvGrpSpPr>
+      <p:grpSpPr>
+        <a:xfrm>
+          <a:off x="0" y="0"/>
+          <a:ext cx="0" cy="0"/>
+          <a:chOff x="0" y="0"/>
+          <a:chExt cx="0" cy="0"/>
+        </a:xfrm>
+      </p:grpSpPr>
+      <p:sp>
+        <p:nvSpPr>
+          <p:cNvPr id="2" name="Title 1">
+            <a:extLst>
+              <a:ext uri="{FF2B5EF4-FFF2-40B4-BE49-F238E27FC236}">
+                <a16:creationId xmlns:a16="http://schemas.microsoft.com/office/drawing/2014/main" id="{8DC8E3B8-13B2-41E2-9ABF-32CDF7063CCF}"/>
+              </a:ext>
+            </a:extLst>
+          </p:cNvPr>
+          <p:cNvSpPr>
+            <a:spLocks noGrp="1"/>
+          </p:cNvSpPr>
+          <p:nvPr>
+            <p:ph type="title"/>
+          </p:nvPr>
+        </p:nvSpPr>
+        <p:spPr/>
+        <p:txBody>
+          <a:bodyPr/>
+          <a:lstStyle/>
+          <a:p>
+            <a:endParaRPr lang="en-IN"/>
+          </a:p>
+        </p:txBody>
+      </p:sp>
+      <p:sp>
+        <p:nvSpPr>
+          <p:cNvPr id="3" name="Content Placeholder 2">
+            <a:extLst>
+              <a:ext uri="{FF2B5EF4-FFF2-40B4-BE49-F238E27FC236}">
+                <a16:creationId xmlns:a16="http://schemas.microsoft.com/office/drawing/2014/main" id="{F6C1698D-2FDA-433F-B9E1-B06C5782DB6A}"/>
               </a:ext>
             </a:extLst>
           </p:cNvPr>
@@ -9656,7 +11253,7 @@
           <p:cNvPr id="5" name="Picture 4">
             <a:extLst>
               <a:ext uri="{FF2B5EF4-FFF2-40B4-BE49-F238E27FC236}">
-                <a16:creationId xmlns:a16="http://schemas.microsoft.com/office/drawing/2014/main" id="{05B1923B-CDC1-432C-8C31-DD8DFF5CEDE8}"/>
+                <a16:creationId xmlns:a16="http://schemas.microsoft.com/office/drawing/2014/main" id="{6BA2E807-F38C-40D5-B778-E6BBC1FEEE5C}"/>
               </a:ext>
             </a:extLst>
           </p:cNvPr>
@@ -9684,7 +11281,7 @@
     </p:spTree>
     <p:extLst>
       <p:ext uri="{BB962C8B-B14F-4D97-AF65-F5344CB8AC3E}">
-        <p14:creationId xmlns:p14="http://schemas.microsoft.com/office/powerpoint/2010/main" val="649788477"/>
+        <p14:creationId xmlns:p14="http://schemas.microsoft.com/office/powerpoint/2010/main" val="994812265"/>
       </p:ext>
     </p:extLst>
   </p:cSld>
@@ -9694,209 +11291,7 @@
 </p:sld>
 </file>
 
-<file path=ppt/slides/slide20.xml><?xml version="1.0" encoding="utf-8"?>
-<p:sld xmlns:a="http://schemas.openxmlformats.org/drawingml/2006/main" xmlns:r="http://schemas.openxmlformats.org/officeDocument/2006/relationships" xmlns:p="http://schemas.openxmlformats.org/presentationml/2006/main">
-  <p:cSld>
-    <p:spTree>
-      <p:nvGrpSpPr>
-        <p:cNvPr id="1" name=""/>
-        <p:cNvGrpSpPr/>
-        <p:nvPr/>
-      </p:nvGrpSpPr>
-      <p:grpSpPr>
-        <a:xfrm>
-          <a:off x="0" y="0"/>
-          <a:ext cx="0" cy="0"/>
-          <a:chOff x="0" y="0"/>
-          <a:chExt cx="0" cy="0"/>
-        </a:xfrm>
-      </p:grpSpPr>
-      <p:sp>
-        <p:nvSpPr>
-          <p:cNvPr id="2" name="Title 1">
-            <a:extLst>
-              <a:ext uri="{FF2B5EF4-FFF2-40B4-BE49-F238E27FC236}">
-                <a16:creationId xmlns:a16="http://schemas.microsoft.com/office/drawing/2014/main" id="{8CD4054E-90A5-49AA-9B3B-2FD9DFBD2142}"/>
-              </a:ext>
-            </a:extLst>
-          </p:cNvPr>
-          <p:cNvSpPr>
-            <a:spLocks noGrp="1"/>
-          </p:cNvSpPr>
-          <p:nvPr>
-            <p:ph type="title"/>
-          </p:nvPr>
-        </p:nvSpPr>
-        <p:spPr/>
-        <p:txBody>
-          <a:bodyPr/>
-          <a:lstStyle/>
-          <a:p>
-            <a:r>
-              <a:rPr lang="en-GB" dirty="0"/>
-              <a:t>Hybrid</a:t>
-            </a:r>
-            <a:endParaRPr lang="en-IN" dirty="0"/>
-          </a:p>
-        </p:txBody>
-      </p:sp>
-      <p:sp>
-        <p:nvSpPr>
-          <p:cNvPr id="3" name="Content Placeholder 2">
-            <a:extLst>
-              <a:ext uri="{FF2B5EF4-FFF2-40B4-BE49-F238E27FC236}">
-                <a16:creationId xmlns:a16="http://schemas.microsoft.com/office/drawing/2014/main" id="{CF8C52BE-6DC4-4424-8EAD-D89B242D4FF2}"/>
-              </a:ext>
-            </a:extLst>
-          </p:cNvPr>
-          <p:cNvSpPr>
-            <a:spLocks noGrp="1"/>
-          </p:cNvSpPr>
-          <p:nvPr>
-            <p:ph idx="1"/>
-          </p:nvPr>
-        </p:nvSpPr>
-        <p:spPr/>
-        <p:txBody>
-          <a:bodyPr/>
-          <a:lstStyle/>
-          <a:p>
-            <a:r>
-              <a:rPr lang="en-GB" dirty="0"/>
-              <a:t>Development – On premises</a:t>
-            </a:r>
-          </a:p>
-          <a:p>
-            <a:r>
-              <a:rPr lang="en-GB" dirty="0"/>
-              <a:t>Production and debugging environment – Cloud</a:t>
-            </a:r>
-          </a:p>
-          <a:p>
-            <a:r>
-              <a:rPr lang="en-GB" dirty="0"/>
-              <a:t>Data Storage alone in Data Lake. </a:t>
-            </a:r>
-            <a:endParaRPr lang="en-IN" dirty="0"/>
-          </a:p>
-        </p:txBody>
-      </p:sp>
-    </p:spTree>
-    <p:extLst>
-      <p:ext uri="{BB962C8B-B14F-4D97-AF65-F5344CB8AC3E}">
-        <p14:creationId xmlns:p14="http://schemas.microsoft.com/office/powerpoint/2010/main" val="340969381"/>
-      </p:ext>
-    </p:extLst>
-  </p:cSld>
-  <p:clrMapOvr>
-    <a:masterClrMapping/>
-  </p:clrMapOvr>
-</p:sld>
-</file>
-
-<file path=ppt/slides/slide21.xml><?xml version="1.0" encoding="utf-8"?>
-<p:sld xmlns:a="http://schemas.openxmlformats.org/drawingml/2006/main" xmlns:r="http://schemas.openxmlformats.org/officeDocument/2006/relationships" xmlns:p="http://schemas.openxmlformats.org/presentationml/2006/main">
-  <p:cSld>
-    <p:spTree>
-      <p:nvGrpSpPr>
-        <p:cNvPr id="1" name=""/>
-        <p:cNvGrpSpPr/>
-        <p:nvPr/>
-      </p:nvGrpSpPr>
-      <p:grpSpPr>
-        <a:xfrm>
-          <a:off x="0" y="0"/>
-          <a:ext cx="0" cy="0"/>
-          <a:chOff x="0" y="0"/>
-          <a:chExt cx="0" cy="0"/>
-        </a:xfrm>
-      </p:grpSpPr>
-      <p:sp>
-        <p:nvSpPr>
-          <p:cNvPr id="2" name="Title 1">
-            <a:extLst>
-              <a:ext uri="{FF2B5EF4-FFF2-40B4-BE49-F238E27FC236}">
-                <a16:creationId xmlns:a16="http://schemas.microsoft.com/office/drawing/2014/main" id="{2CEC0EF4-855C-4E6A-8195-24C2E647E1F4}"/>
-              </a:ext>
-            </a:extLst>
-          </p:cNvPr>
-          <p:cNvSpPr>
-            <a:spLocks noGrp="1"/>
-          </p:cNvSpPr>
-          <p:nvPr>
-            <p:ph type="title"/>
-          </p:nvPr>
-        </p:nvSpPr>
-        <p:spPr/>
-        <p:txBody>
-          <a:bodyPr/>
-          <a:lstStyle/>
-          <a:p>
-            <a:r>
-              <a:rPr lang="en-GB" dirty="0"/>
-              <a:t>Demo</a:t>
-            </a:r>
-            <a:endParaRPr lang="en-IN" dirty="0"/>
-          </a:p>
-        </p:txBody>
-      </p:sp>
-      <p:sp>
-        <p:nvSpPr>
-          <p:cNvPr id="3" name="Text Placeholder 2">
-            <a:extLst>
-              <a:ext uri="{FF2B5EF4-FFF2-40B4-BE49-F238E27FC236}">
-                <a16:creationId xmlns:a16="http://schemas.microsoft.com/office/drawing/2014/main" id="{7F389A1E-A490-480D-B1FC-FC4021C6C7D3}"/>
-              </a:ext>
-            </a:extLst>
-          </p:cNvPr>
-          <p:cNvSpPr>
-            <a:spLocks noGrp="1"/>
-          </p:cNvSpPr>
-          <p:nvPr>
-            <p:ph type="body" idx="1"/>
-          </p:nvPr>
-        </p:nvSpPr>
-        <p:spPr/>
-        <p:txBody>
-          <a:bodyPr/>
-          <a:lstStyle/>
-          <a:p>
-            <a:r>
-              <a:rPr lang="en-GB" dirty="0"/>
-              <a:t>On Premises – Spark Standalone cluster.</a:t>
-            </a:r>
-          </a:p>
-          <a:p>
-            <a:r>
-              <a:rPr lang="en-GB" dirty="0"/>
-              <a:t>Cloud – Azure </a:t>
-            </a:r>
-            <a:r>
-              <a:rPr lang="en-GB"/>
-              <a:t>Databricks self managed </a:t>
-            </a:r>
-            <a:r>
-              <a:rPr lang="en-GB" dirty="0"/>
-              <a:t>cluster.</a:t>
-            </a:r>
-            <a:endParaRPr lang="en-IN" dirty="0"/>
-          </a:p>
-        </p:txBody>
-      </p:sp>
-    </p:spTree>
-    <p:extLst>
-      <p:ext uri="{BB962C8B-B14F-4D97-AF65-F5344CB8AC3E}">
-        <p14:creationId xmlns:p14="http://schemas.microsoft.com/office/powerpoint/2010/main" val="17250487"/>
-      </p:ext>
-    </p:extLst>
-  </p:cSld>
-  <p:clrMapOvr>
-    <a:masterClrMapping/>
-  </p:clrMapOvr>
-</p:sld>
-</file>
-
-<file path=ppt/slides/slide22.xml><?xml version="1.0" encoding="utf-8"?>
+<file path=ppt/slides/slide30.xml><?xml version="1.0" encoding="utf-8"?>
 <p:sld xmlns:a="http://schemas.openxmlformats.org/drawingml/2006/main" xmlns:r="http://schemas.openxmlformats.org/officeDocument/2006/relationships" xmlns:p="http://schemas.openxmlformats.org/presentationml/2006/main">
   <p:cSld>
     <p:spTree>
@@ -10033,7 +11428,7 @@
 </p:sld>
 </file>
 
-<file path=ppt/slides/slide23.xml><?xml version="1.0" encoding="utf-8"?>
+<file path=ppt/slides/slide31.xml><?xml version="1.0" encoding="utf-8"?>
 <p:sld xmlns:a="http://schemas.openxmlformats.org/drawingml/2006/main" xmlns:r="http://schemas.openxmlformats.org/officeDocument/2006/relationships" xmlns:p="http://schemas.openxmlformats.org/presentationml/2006/main">
   <p:cSld>
     <p:spTree>
@@ -10164,7 +11559,7 @@
 </p:sld>
 </file>
 
-<file path=ppt/slides/slide24.xml><?xml version="1.0" encoding="utf-8"?>
+<file path=ppt/slides/slide32.xml><?xml version="1.0" encoding="utf-8"?>
 <p:sld xmlns:a="http://schemas.openxmlformats.org/drawingml/2006/main" xmlns:r="http://schemas.openxmlformats.org/officeDocument/2006/relationships" xmlns:p="http://schemas.openxmlformats.org/presentationml/2006/main">
   <p:cSld>
     <p:spTree>
@@ -10204,7 +11599,7 @@
           <a:p>
             <a:r>
               <a:rPr lang="en-GB" dirty="0"/>
-              <a:t>Other important factors</a:t>
+              <a:t>Other important factors in IoT analytics</a:t>
             </a:r>
             <a:endParaRPr lang="en-IN" dirty="0"/>
           </a:p>
@@ -10481,7 +11876,7 @@
 </p:sld>
 </file>
 
-<file path=ppt/slides/slide25.xml><?xml version="1.0" encoding="utf-8"?>
+<file path=ppt/slides/slide33.xml><?xml version="1.0" encoding="utf-8"?>
 <p:sld xmlns:a="http://schemas.openxmlformats.org/drawingml/2006/main" xmlns:r="http://schemas.openxmlformats.org/officeDocument/2006/relationships" xmlns:p="http://schemas.openxmlformats.org/presentationml/2006/main">
   <p:cSld>
     <p:spTree>
@@ -10701,116 +12096,6 @@
 </p:sld>
 </file>
 
-<file path=ppt/slides/slide3.xml><?xml version="1.0" encoding="utf-8"?>
-<p:sld xmlns:a="http://schemas.openxmlformats.org/drawingml/2006/main" xmlns:r="http://schemas.openxmlformats.org/officeDocument/2006/relationships" xmlns:p="http://schemas.openxmlformats.org/presentationml/2006/main">
-  <p:cSld>
-    <p:spTree>
-      <p:nvGrpSpPr>
-        <p:cNvPr id="1" name=""/>
-        <p:cNvGrpSpPr/>
-        <p:nvPr/>
-      </p:nvGrpSpPr>
-      <p:grpSpPr>
-        <a:xfrm>
-          <a:off x="0" y="0"/>
-          <a:ext cx="0" cy="0"/>
-          <a:chOff x="0" y="0"/>
-          <a:chExt cx="0" cy="0"/>
-        </a:xfrm>
-      </p:grpSpPr>
-      <p:sp>
-        <p:nvSpPr>
-          <p:cNvPr id="2" name="Title 1">
-            <a:extLst>
-              <a:ext uri="{FF2B5EF4-FFF2-40B4-BE49-F238E27FC236}">
-                <a16:creationId xmlns:a16="http://schemas.microsoft.com/office/drawing/2014/main" id="{8DC8E3B8-13B2-41E2-9ABF-32CDF7063CCF}"/>
-              </a:ext>
-            </a:extLst>
-          </p:cNvPr>
-          <p:cNvSpPr>
-            <a:spLocks noGrp="1"/>
-          </p:cNvSpPr>
-          <p:nvPr>
-            <p:ph type="title"/>
-          </p:nvPr>
-        </p:nvSpPr>
-        <p:spPr/>
-        <p:txBody>
-          <a:bodyPr/>
-          <a:lstStyle/>
-          <a:p>
-            <a:endParaRPr lang="en-IN"/>
-          </a:p>
-        </p:txBody>
-      </p:sp>
-      <p:sp>
-        <p:nvSpPr>
-          <p:cNvPr id="3" name="Content Placeholder 2">
-            <a:extLst>
-              <a:ext uri="{FF2B5EF4-FFF2-40B4-BE49-F238E27FC236}">
-                <a16:creationId xmlns:a16="http://schemas.microsoft.com/office/drawing/2014/main" id="{F6C1698D-2FDA-433F-B9E1-B06C5782DB6A}"/>
-              </a:ext>
-            </a:extLst>
-          </p:cNvPr>
-          <p:cNvSpPr>
-            <a:spLocks noGrp="1"/>
-          </p:cNvSpPr>
-          <p:nvPr>
-            <p:ph idx="1"/>
-          </p:nvPr>
-        </p:nvSpPr>
-        <p:spPr/>
-        <p:txBody>
-          <a:bodyPr/>
-          <a:lstStyle/>
-          <a:p>
-            <a:endParaRPr lang="en-IN"/>
-          </a:p>
-        </p:txBody>
-      </p:sp>
-      <p:pic>
-        <p:nvPicPr>
-          <p:cNvPr id="5" name="Picture 4">
-            <a:extLst>
-              <a:ext uri="{FF2B5EF4-FFF2-40B4-BE49-F238E27FC236}">
-                <a16:creationId xmlns:a16="http://schemas.microsoft.com/office/drawing/2014/main" id="{6BA2E807-F38C-40D5-B778-E6BBC1FEEE5C}"/>
-              </a:ext>
-            </a:extLst>
-          </p:cNvPr>
-          <p:cNvPicPr>
-            <a:picLocks noChangeAspect="1"/>
-          </p:cNvPicPr>
-          <p:nvPr/>
-        </p:nvPicPr>
-        <p:blipFill>
-          <a:blip r:embed="rId2"/>
-          <a:stretch>
-            <a:fillRect/>
-          </a:stretch>
-        </p:blipFill>
-        <p:spPr>
-          <a:xfrm>
-            <a:off x="0" y="0"/>
-            <a:ext cx="12192000" cy="6858000"/>
-          </a:xfrm>
-          <a:prstGeom prst="rect">
-            <a:avLst/>
-          </a:prstGeom>
-        </p:spPr>
-      </p:pic>
-    </p:spTree>
-    <p:extLst>
-      <p:ext uri="{BB962C8B-B14F-4D97-AF65-F5344CB8AC3E}">
-        <p14:creationId xmlns:p14="http://schemas.microsoft.com/office/powerpoint/2010/main" val="994812265"/>
-      </p:ext>
-    </p:extLst>
-  </p:cSld>
-  <p:clrMapOvr>
-    <a:masterClrMapping/>
-  </p:clrMapOvr>
-</p:sld>
-</file>
-
 <file path=ppt/slides/slide4.xml><?xml version="1.0" encoding="utf-8"?>
 <p:sld xmlns:a="http://schemas.openxmlformats.org/drawingml/2006/main" xmlns:r="http://schemas.openxmlformats.org/officeDocument/2006/relationships" xmlns:p="http://schemas.openxmlformats.org/presentationml/2006/main">
   <p:cSld>
@@ -10880,43 +12165,43 @@
           <a:p>
             <a:r>
               <a:rPr lang="en-GB" dirty="0"/>
-              <a:t>IOT analytics</a:t>
+              <a:t>IOT analytics.</a:t>
             </a:r>
           </a:p>
           <a:p>
             <a:r>
               <a:rPr lang="en-GB" dirty="0"/>
-              <a:t>Purpose – Monitoring, Analytics</a:t>
+              <a:t>Purpose – Monitoring, Analytics.</a:t>
             </a:r>
           </a:p>
           <a:p>
             <a:r>
               <a:rPr lang="en-GB" dirty="0"/>
-              <a:t>4 types of IOT analytics</a:t>
+              <a:t>4 types of IOT analytics.</a:t>
             </a:r>
           </a:p>
           <a:p>
             <a:r>
               <a:rPr lang="en-GB" dirty="0"/>
-              <a:t>Roles – Data Engineer, Data Analyst, Data Scientist</a:t>
+              <a:t>Roles – Data Engineer, Data Analyst, Data Scientist.</a:t>
             </a:r>
           </a:p>
           <a:p>
             <a:r>
               <a:rPr lang="en-GB" dirty="0"/>
-              <a:t>How IOT analytics is done?</a:t>
+              <a:t>Where IOT analytics is done? (Data infrastructure)</a:t>
             </a:r>
           </a:p>
           <a:p>
             <a:r>
               <a:rPr lang="en-GB" dirty="0"/>
-              <a:t>Where IOT analytics is done? (Environment)</a:t>
+              <a:t>Challenges in IOT analytics.</a:t>
             </a:r>
           </a:p>
           <a:p>
             <a:r>
               <a:rPr lang="en-GB" dirty="0"/>
-              <a:t>Demo</a:t>
+              <a:t>Demo.</a:t>
             </a:r>
           </a:p>
           <a:p>
@@ -11057,7 +12342,20 @@
               </a:rPr>
               <a:t>.</a:t>
             </a:r>
-            <a:endParaRPr lang="en-GB" dirty="0"/>
+          </a:p>
+          <a:p>
+            <a:r>
+              <a:rPr lang="en-GB" dirty="0"/>
+              <a:t>Collect =&gt; </a:t>
+            </a:r>
+            <a:r>
+              <a:rPr lang="en-GB" dirty="0" err="1"/>
+              <a:t>Analyze</a:t>
+            </a:r>
+            <a:r>
+              <a:rPr lang="en-GB" dirty="0"/>
+              <a:t> =&gt; React.</a:t>
+            </a:r>
           </a:p>
           <a:p>
             <a:r>
@@ -11834,6 +13132,158 @@
           <p:cNvPr id="2" name="Title 1">
             <a:extLst>
               <a:ext uri="{FF2B5EF4-FFF2-40B4-BE49-F238E27FC236}">
+                <a16:creationId xmlns:a16="http://schemas.microsoft.com/office/drawing/2014/main" id="{1387A171-60BC-478A-9BBB-2FE34F4CA176}"/>
+              </a:ext>
+            </a:extLst>
+          </p:cNvPr>
+          <p:cNvSpPr>
+            <a:spLocks noGrp="1"/>
+          </p:cNvSpPr>
+          <p:nvPr>
+            <p:ph type="title"/>
+          </p:nvPr>
+        </p:nvSpPr>
+        <p:spPr/>
+        <p:txBody>
+          <a:bodyPr/>
+          <a:lstStyle/>
+          <a:p>
+            <a:r>
+              <a:rPr lang="en-GB" dirty="0"/>
+              <a:t>Use cases by department</a:t>
+            </a:r>
+            <a:endParaRPr lang="en-IN" dirty="0"/>
+          </a:p>
+        </p:txBody>
+      </p:sp>
+      <p:sp>
+        <p:nvSpPr>
+          <p:cNvPr id="3" name="Content Placeholder 2">
+            <a:extLst>
+              <a:ext uri="{FF2B5EF4-FFF2-40B4-BE49-F238E27FC236}">
+                <a16:creationId xmlns:a16="http://schemas.microsoft.com/office/drawing/2014/main" id="{DAED6B41-0A8C-43DF-B5C6-827668DDB55D}"/>
+              </a:ext>
+            </a:extLst>
+          </p:cNvPr>
+          <p:cNvSpPr>
+            <a:spLocks noGrp="1"/>
+          </p:cNvSpPr>
+          <p:nvPr>
+            <p:ph idx="1"/>
+          </p:nvPr>
+        </p:nvSpPr>
+        <p:spPr/>
+        <p:txBody>
+          <a:bodyPr/>
+          <a:lstStyle/>
+          <a:p>
+            <a:r>
+              <a:rPr lang="en-GB" dirty="0">
+                <a:solidFill>
+                  <a:srgbClr val="00B0F0"/>
+                </a:solidFill>
+              </a:rPr>
+              <a:t>Manufacturing</a:t>
+            </a:r>
+            <a:r>
+              <a:rPr lang="en-GB" dirty="0"/>
+              <a:t> - Improve production efficiency by saving costs.</a:t>
+            </a:r>
+          </a:p>
+          <a:p>
+            <a:r>
+              <a:rPr lang="en-GB" dirty="0">
+                <a:solidFill>
+                  <a:srgbClr val="00B0F0"/>
+                </a:solidFill>
+              </a:rPr>
+              <a:t>Health care devices</a:t>
+            </a:r>
+            <a:r>
+              <a:rPr lang="en-GB" dirty="0"/>
+              <a:t> - Patient centric analytics, alerts on needy/critical times.</a:t>
+            </a:r>
+          </a:p>
+          <a:p>
+            <a:r>
+              <a:rPr lang="en-GB" dirty="0">
+                <a:solidFill>
+                  <a:srgbClr val="00B0F0"/>
+                </a:solidFill>
+              </a:rPr>
+              <a:t>Energy (Solar panel / Turbine windmill)</a:t>
+            </a:r>
+            <a:r>
+              <a:rPr lang="en-GB" dirty="0"/>
+              <a:t> - Monitor energy captured; Load forecasting of power stored in battery to withstand based on its capacity to store.</a:t>
+            </a:r>
+          </a:p>
+          <a:p>
+            <a:r>
+              <a:rPr lang="en-GB" dirty="0">
+                <a:solidFill>
+                  <a:srgbClr val="00B0F0"/>
+                </a:solidFill>
+              </a:rPr>
+              <a:t>Agriculture (Smart farming)</a:t>
+            </a:r>
+            <a:r>
+              <a:rPr lang="en-GB" dirty="0"/>
+              <a:t> - Monitor health metrics like soil dampness - increase crop yield; and use water effectively.</a:t>
+            </a:r>
+          </a:p>
+          <a:p>
+            <a:r>
+              <a:rPr lang="en-GB" dirty="0">
+                <a:solidFill>
+                  <a:srgbClr val="00B0F0"/>
+                </a:solidFill>
+              </a:rPr>
+              <a:t>Environment (weather stations) </a:t>
+            </a:r>
+            <a:r>
+              <a:rPr lang="en-GB" dirty="0"/>
+              <a:t>- Monitor air quality; Predict pollution levels.</a:t>
+            </a:r>
+            <a:endParaRPr lang="en-IN" dirty="0"/>
+          </a:p>
+        </p:txBody>
+      </p:sp>
+    </p:spTree>
+    <p:extLst>
+      <p:ext uri="{BB962C8B-B14F-4D97-AF65-F5344CB8AC3E}">
+        <p14:creationId xmlns:p14="http://schemas.microsoft.com/office/powerpoint/2010/main" val="2287415795"/>
+      </p:ext>
+    </p:extLst>
+  </p:cSld>
+  <p:clrMapOvr>
+    <a:masterClrMapping/>
+  </p:clrMapOvr>
+</p:sld>
+</file>
+
+<file path=ppt/slides/slide9.xml><?xml version="1.0" encoding="utf-8"?>
+<p:sld xmlns:a="http://schemas.openxmlformats.org/drawingml/2006/main" xmlns:r="http://schemas.openxmlformats.org/officeDocument/2006/relationships" xmlns:p="http://schemas.openxmlformats.org/presentationml/2006/main">
+  <p:cSld>
+    <p:spTree>
+      <p:nvGrpSpPr>
+        <p:cNvPr id="1" name=""/>
+        <p:cNvGrpSpPr/>
+        <p:nvPr/>
+      </p:nvGrpSpPr>
+      <p:grpSpPr>
+        <a:xfrm>
+          <a:off x="0" y="0"/>
+          <a:ext cx="0" cy="0"/>
+          <a:chOff x="0" y="0"/>
+          <a:chExt cx="0" cy="0"/>
+        </a:xfrm>
+      </p:grpSpPr>
+      <p:sp>
+        <p:nvSpPr>
+          <p:cNvPr id="2" name="Title 1">
+            <a:extLst>
+              <a:ext uri="{FF2B5EF4-FFF2-40B4-BE49-F238E27FC236}">
                 <a16:creationId xmlns:a16="http://schemas.microsoft.com/office/drawing/2014/main" id="{4F75591D-9F20-41DE-A2E5-A5FCCF32E5A3}"/>
               </a:ext>
             </a:extLst>
@@ -11984,178 +13434,6 @@
     <p:extLst>
       <p:ext uri="{BB962C8B-B14F-4D97-AF65-F5344CB8AC3E}">
         <p14:creationId xmlns:p14="http://schemas.microsoft.com/office/powerpoint/2010/main" val="3456702711"/>
-      </p:ext>
-    </p:extLst>
-  </p:cSld>
-  <p:clrMapOvr>
-    <a:masterClrMapping/>
-  </p:clrMapOvr>
-</p:sld>
-</file>
-
-<file path=ppt/slides/slide9.xml><?xml version="1.0" encoding="utf-8"?>
-<p:sld xmlns:a="http://schemas.openxmlformats.org/drawingml/2006/main" xmlns:r="http://schemas.openxmlformats.org/officeDocument/2006/relationships" xmlns:p="http://schemas.openxmlformats.org/presentationml/2006/main">
-  <p:cSld>
-    <p:spTree>
-      <p:nvGrpSpPr>
-        <p:cNvPr id="1" name=""/>
-        <p:cNvGrpSpPr/>
-        <p:nvPr/>
-      </p:nvGrpSpPr>
-      <p:grpSpPr>
-        <a:xfrm>
-          <a:off x="0" y="0"/>
-          <a:ext cx="0" cy="0"/>
-          <a:chOff x="0" y="0"/>
-          <a:chExt cx="0" cy="0"/>
-        </a:xfrm>
-      </p:grpSpPr>
-      <p:sp>
-        <p:nvSpPr>
-          <p:cNvPr id="2" name="Title 1">
-            <a:extLst>
-              <a:ext uri="{FF2B5EF4-FFF2-40B4-BE49-F238E27FC236}">
-                <a16:creationId xmlns:a16="http://schemas.microsoft.com/office/drawing/2014/main" id="{D65303CD-46D7-496E-9691-ACEA21F9893B}"/>
-              </a:ext>
-            </a:extLst>
-          </p:cNvPr>
-          <p:cNvSpPr>
-            <a:spLocks noGrp="1"/>
-          </p:cNvSpPr>
-          <p:nvPr>
-            <p:ph type="title"/>
-          </p:nvPr>
-        </p:nvSpPr>
-        <p:spPr/>
-        <p:txBody>
-          <a:bodyPr/>
-          <a:lstStyle/>
-          <a:p>
-            <a:r>
-              <a:rPr lang="en-GB" dirty="0"/>
-              <a:t>Analytics</a:t>
-            </a:r>
-            <a:endParaRPr lang="en-IN" dirty="0"/>
-          </a:p>
-        </p:txBody>
-      </p:sp>
-      <p:sp>
-        <p:nvSpPr>
-          <p:cNvPr id="3" name="Content Placeholder 2">
-            <a:extLst>
-              <a:ext uri="{FF2B5EF4-FFF2-40B4-BE49-F238E27FC236}">
-                <a16:creationId xmlns:a16="http://schemas.microsoft.com/office/drawing/2014/main" id="{98801F0C-1EA7-486D-A3B0-7E31EC3E252F}"/>
-              </a:ext>
-            </a:extLst>
-          </p:cNvPr>
-          <p:cNvSpPr>
-            <a:spLocks noGrp="1"/>
-          </p:cNvSpPr>
-          <p:nvPr>
-            <p:ph idx="1"/>
-          </p:nvPr>
-        </p:nvSpPr>
-        <p:spPr/>
-        <p:txBody>
-          <a:bodyPr/>
-          <a:lstStyle/>
-          <a:p>
-            <a:r>
-              <a:rPr lang="en-GB" dirty="0"/>
-              <a:t>Analyse collected data.</a:t>
-            </a:r>
-          </a:p>
-          <a:p>
-            <a:r>
-              <a:rPr lang="en-GB" dirty="0"/>
-              <a:t>Allow to find answers for business questions.</a:t>
-            </a:r>
-          </a:p>
-          <a:p>
-            <a:endParaRPr lang="en-GB" dirty="0"/>
-          </a:p>
-          <a:p>
-            <a:endParaRPr lang="en-GB" dirty="0"/>
-          </a:p>
-          <a:p>
-            <a:endParaRPr lang="en-GB" dirty="0"/>
-          </a:p>
-          <a:p>
-            <a:endParaRPr lang="en-GB" dirty="0"/>
-          </a:p>
-          <a:p>
-            <a:endParaRPr lang="en-GB" dirty="0"/>
-          </a:p>
-          <a:p>
-            <a:endParaRPr lang="en-GB" dirty="0"/>
-          </a:p>
-          <a:p>
-            <a:endParaRPr lang="en-GB" dirty="0"/>
-          </a:p>
-          <a:p>
-            <a:endParaRPr lang="en-GB" dirty="0"/>
-          </a:p>
-          <a:p>
-            <a:endParaRPr lang="en-IN" dirty="0"/>
-          </a:p>
-        </p:txBody>
-      </p:sp>
-      <p:pic>
-        <p:nvPicPr>
-          <p:cNvPr id="2050" name="Picture 2" descr="Upstream - E&amp;amp;P - Visual BI Solutions">
-            <a:extLst>
-              <a:ext uri="{FF2B5EF4-FFF2-40B4-BE49-F238E27FC236}">
-                <a16:creationId xmlns:a16="http://schemas.microsoft.com/office/drawing/2014/main" id="{3CF77B42-2EA3-4DB3-8B15-AD2E0205AFB3}"/>
-              </a:ext>
-            </a:extLst>
-          </p:cNvPr>
-          <p:cNvPicPr>
-            <a:picLocks noChangeAspect="1" noChangeArrowheads="1"/>
-          </p:cNvPicPr>
-          <p:nvPr/>
-        </p:nvPicPr>
-        <p:blipFill>
-          <a:blip r:embed="rId2">
-            <a:extLst>
-              <a:ext uri="{28A0092B-C50C-407E-A947-70E740481C1C}">
-                <a14:useLocalDpi xmlns:a14="http://schemas.microsoft.com/office/drawing/2010/main" val="0"/>
-              </a:ext>
-            </a:extLst>
-          </a:blip>
-          <a:srcRect/>
-          <a:stretch>
-            <a:fillRect/>
-          </a:stretch>
-        </p:blipFill>
-        <p:spPr bwMode="auto">
-          <a:xfrm>
-            <a:off x="3997605" y="2363165"/>
-            <a:ext cx="7186863" cy="4267200"/>
-          </a:xfrm>
-          <a:prstGeom prst="rect">
-            <a:avLst/>
-          </a:prstGeom>
-          <a:noFill/>
-          <a:ln>
-            <a:solidFill>
-              <a:schemeClr val="accent1"/>
-            </a:solidFill>
-          </a:ln>
-          <a:extLst>
-            <a:ext uri="{909E8E84-426E-40DD-AFC4-6F175D3DCCD1}">
-              <a14:hiddenFill xmlns:a14="http://schemas.microsoft.com/office/drawing/2010/main">
-                <a:solidFill>
-                  <a:srgbClr val="FFFFFF"/>
-                </a:solidFill>
-              </a14:hiddenFill>
-            </a:ext>
-          </a:extLst>
-        </p:spPr>
-      </p:pic>
-    </p:spTree>
-    <p:extLst>
-      <p:ext uri="{BB962C8B-B14F-4D97-AF65-F5344CB8AC3E}">
-        <p14:creationId xmlns:p14="http://schemas.microsoft.com/office/powerpoint/2010/main" val="3312802510"/>
       </p:ext>
     </p:extLst>
   </p:cSld>
